--- a/Lectures/4. Object-Oriented Programming with CSharp/Object-Oriented Programming with CSharp.pptx
+++ b/Lectures/4. Object-Oriented Programming with CSharp/Object-Oriented Programming with CSharp.pptx
@@ -5,10 +5,10 @@
     <p:sldMasterId id="2147483672" r:id="rId1"/>
   </p:sldMasterIdLst>
   <p:notesMasterIdLst>
-    <p:notesMasterId r:id="rId91"/>
+    <p:notesMasterId r:id="rId95"/>
   </p:notesMasterIdLst>
   <p:handoutMasterIdLst>
-    <p:handoutMasterId r:id="rId92"/>
+    <p:handoutMasterId r:id="rId96"/>
   </p:handoutMasterIdLst>
   <p:sldIdLst>
     <p:sldId id="320" r:id="rId2"/>
@@ -99,7 +99,11 @@
     <p:sldId id="429" r:id="rId87"/>
     <p:sldId id="430" r:id="rId88"/>
     <p:sldId id="431" r:id="rId89"/>
-    <p:sldId id="372" r:id="rId90"/>
+    <p:sldId id="438" r:id="rId90"/>
+    <p:sldId id="439" r:id="rId91"/>
+    <p:sldId id="440" r:id="rId92"/>
+    <p:sldId id="441" r:id="rId93"/>
+    <p:sldId id="372" r:id="rId94"/>
   </p:sldIdLst>
   <p:sldSz cx="9144000" cy="6858000" type="screen4x3"/>
   <p:notesSz cx="6881813" cy="9296400"/>
@@ -346,7 +350,7 @@
             <a:fld id="{3BF7C7B5-275F-4D1F-9AB4-9255447DBC73}" type="datetimeFigureOut">
               <a:rPr lang="en-US"/>
               <a:pPr/>
-              <a:t>10/20/2010</a:t>
+              <a:t>31-Oct-11</a:t>
             </a:fld>
             <a:endParaRPr lang="en-US" dirty="0"/>
           </a:p>
@@ -577,7 +581,7 @@
             <a:fld id="{9B46F231-FB2B-4655-A644-E2477325E686}" type="datetimeFigureOut">
               <a:rPr lang="en-US"/>
               <a:pPr/>
-              <a:t>10/20/2010</a:t>
+              <a:t>31-Oct-11</a:t>
             </a:fld>
             <a:endParaRPr lang="en-US" dirty="0"/>
           </a:p>
@@ -33155,7 +33159,24 @@
                 <a:latin typeface="Consolas" pitchFamily="49" charset="0"/>
                 <a:cs typeface="Consolas" pitchFamily="49" charset="0"/>
               </a:rPr>
-              <a:t>    </a:t>
+              <a:t>    { get;</a:t>
+            </a:r>
+            <a:r>
+              <a:rPr lang="en-US" altLang="ko-KR" sz="2000" b="1" noProof="1" smtClean="0">
+                <a:solidFill>
+                  <a:srgbClr val="8CF4F2"/>
+                </a:solidFill>
+                <a:effectLst>
+                  <a:outerShdw blurRad="38100" dist="38100" dir="2700000" algn="tl">
+                    <a:srgbClr val="000000">
+                      <a:alpha val="43137"/>
+                    </a:srgbClr>
+                  </a:outerShdw>
+                </a:effectLst>
+                <a:latin typeface="Consolas" pitchFamily="49" charset="0"/>
+                <a:cs typeface="Consolas" pitchFamily="49" charset="0"/>
+              </a:rPr>
+              <a:t> </a:t>
             </a:r>
             <a:r>
               <a:rPr lang="bg-BG" altLang="ko-KR" sz="2000" b="1" noProof="1" smtClean="0">
@@ -33172,58 +33193,7 @@
                 <a:latin typeface="Consolas" pitchFamily="49" charset="0"/>
                 <a:cs typeface="Consolas" pitchFamily="49" charset="0"/>
               </a:rPr>
-              <a:t>{ get;</a:t>
-            </a:r>
-            <a:r>
-              <a:rPr lang="en-US" altLang="ko-KR" sz="2000" b="1" noProof="1" smtClean="0">
-                <a:solidFill>
-                  <a:srgbClr val="8CF4F2"/>
-                </a:solidFill>
-                <a:effectLst>
-                  <a:outerShdw blurRad="38100" dist="38100" dir="2700000" algn="tl">
-                    <a:srgbClr val="000000">
-                      <a:alpha val="43137"/>
-                    </a:srgbClr>
-                  </a:outerShdw>
-                </a:effectLst>
-                <a:latin typeface="Consolas" pitchFamily="49" charset="0"/>
-                <a:cs typeface="Consolas" pitchFamily="49" charset="0"/>
-              </a:rPr>
-              <a:t> </a:t>
-            </a:r>
-            <a:r>
-              <a:rPr lang="bg-BG" altLang="ko-KR" sz="2000" b="1" noProof="1" smtClean="0">
-                <a:solidFill>
-                  <a:srgbClr val="8CF4F2"/>
-                </a:solidFill>
-                <a:effectLst>
-                  <a:outerShdw blurRad="38100" dist="38100" dir="2700000" algn="tl">
-                    <a:srgbClr val="000000">
-                      <a:alpha val="43137"/>
-                    </a:srgbClr>
-                  </a:outerShdw>
-                </a:effectLst>
-                <a:latin typeface="Consolas" pitchFamily="49" charset="0"/>
-                <a:cs typeface="Consolas" pitchFamily="49" charset="0"/>
-              </a:rPr>
-              <a:t>set; </a:t>
-            </a:r>
-            <a:r>
-              <a:rPr lang="bg-BG" altLang="ko-KR" sz="2000" b="1" noProof="1" smtClean="0">
-                <a:solidFill>
-                  <a:srgbClr val="8CF4F2"/>
-                </a:solidFill>
-                <a:effectLst>
-                  <a:outerShdw blurRad="38100" dist="38100" dir="2700000" algn="tl">
-                    <a:srgbClr val="000000">
-                      <a:alpha val="43137"/>
-                    </a:srgbClr>
-                  </a:outerShdw>
-                </a:effectLst>
-                <a:latin typeface="Consolas" pitchFamily="49" charset="0"/>
-                <a:cs typeface="Consolas" pitchFamily="49" charset="0"/>
-              </a:rPr>
-              <a:t>}</a:t>
+              <a:t>set; }</a:t>
             </a:r>
           </a:p>
           <a:p>
@@ -33291,7 +33261,24 @@
                 <a:latin typeface="Consolas" pitchFamily="49" charset="0"/>
                 <a:cs typeface="Consolas" pitchFamily="49" charset="0"/>
               </a:rPr>
-              <a:t>    </a:t>
+              <a:t>    {</a:t>
+            </a:r>
+            <a:r>
+              <a:rPr lang="en-US" altLang="ko-KR" sz="2000" b="1" noProof="1" smtClean="0">
+                <a:solidFill>
+                  <a:srgbClr val="8CF4F2"/>
+                </a:solidFill>
+                <a:effectLst>
+                  <a:outerShdw blurRad="38100" dist="38100" dir="2700000" algn="tl">
+                    <a:srgbClr val="000000">
+                      <a:alpha val="43137"/>
+                    </a:srgbClr>
+                  </a:outerShdw>
+                </a:effectLst>
+                <a:latin typeface="Consolas" pitchFamily="49" charset="0"/>
+                <a:cs typeface="Consolas" pitchFamily="49" charset="0"/>
+              </a:rPr>
+              <a:t> </a:t>
             </a:r>
             <a:r>
               <a:rPr lang="bg-BG" altLang="ko-KR" sz="2000" b="1" noProof="1" smtClean="0">
@@ -33308,7 +33295,7 @@
                 <a:latin typeface="Consolas" pitchFamily="49" charset="0"/>
                 <a:cs typeface="Consolas" pitchFamily="49" charset="0"/>
               </a:rPr>
-              <a:t>{</a:t>
+              <a:t>get;</a:t>
             </a:r>
             <a:r>
               <a:rPr lang="en-US" altLang="ko-KR" sz="2000" b="1" noProof="1" smtClean="0">
@@ -33325,7 +33312,7 @@
                 <a:latin typeface="Consolas" pitchFamily="49" charset="0"/>
                 <a:cs typeface="Consolas" pitchFamily="49" charset="0"/>
               </a:rPr>
-              <a:t> </a:t>
+              <a:t> s</a:t>
             </a:r>
             <a:r>
               <a:rPr lang="bg-BG" altLang="ko-KR" sz="2000" b="1" noProof="1" smtClean="0">
@@ -33342,58 +33329,7 @@
                 <a:latin typeface="Consolas" pitchFamily="49" charset="0"/>
                 <a:cs typeface="Consolas" pitchFamily="49" charset="0"/>
               </a:rPr>
-              <a:t>get;</a:t>
-            </a:r>
-            <a:r>
-              <a:rPr lang="en-US" altLang="ko-KR" sz="2000" b="1" noProof="1" smtClean="0">
-                <a:solidFill>
-                  <a:srgbClr val="8CF4F2"/>
-                </a:solidFill>
-                <a:effectLst>
-                  <a:outerShdw blurRad="38100" dist="38100" dir="2700000" algn="tl">
-                    <a:srgbClr val="000000">
-                      <a:alpha val="43137"/>
-                    </a:srgbClr>
-                  </a:outerShdw>
-                </a:effectLst>
-                <a:latin typeface="Consolas" pitchFamily="49" charset="0"/>
-                <a:cs typeface="Consolas" pitchFamily="49" charset="0"/>
-              </a:rPr>
-              <a:t> s</a:t>
-            </a:r>
-            <a:r>
-              <a:rPr lang="bg-BG" altLang="ko-KR" sz="2000" b="1" noProof="1" smtClean="0">
-                <a:solidFill>
-                  <a:srgbClr val="8CF4F2"/>
-                </a:solidFill>
-                <a:effectLst>
-                  <a:outerShdw blurRad="38100" dist="38100" dir="2700000" algn="tl">
-                    <a:srgbClr val="000000">
-                      <a:alpha val="43137"/>
-                    </a:srgbClr>
-                  </a:outerShdw>
-                </a:effectLst>
-                <a:latin typeface="Consolas" pitchFamily="49" charset="0"/>
-                <a:cs typeface="Consolas" pitchFamily="49" charset="0"/>
-              </a:rPr>
-              <a:t>et; </a:t>
-            </a:r>
-            <a:r>
-              <a:rPr lang="bg-BG" altLang="ko-KR" sz="2000" b="1" noProof="1" smtClean="0">
-                <a:solidFill>
-                  <a:srgbClr val="8CF4F2"/>
-                </a:solidFill>
-                <a:effectLst>
-                  <a:outerShdw blurRad="38100" dist="38100" dir="2700000" algn="tl">
-                    <a:srgbClr val="000000">
-                      <a:alpha val="43137"/>
-                    </a:srgbClr>
-                  </a:outerShdw>
-                </a:effectLst>
-                <a:latin typeface="Consolas" pitchFamily="49" charset="0"/>
-                <a:cs typeface="Consolas" pitchFamily="49" charset="0"/>
-              </a:rPr>
-              <a:t>}</a:t>
+              <a:t>et; }</a:t>
             </a:r>
           </a:p>
           <a:p>
@@ -33461,75 +33397,7 @@
                 <a:latin typeface="Consolas" pitchFamily="49" charset="0"/>
                 <a:cs typeface="Consolas" pitchFamily="49" charset="0"/>
               </a:rPr>
-              <a:t>    </a:t>
-            </a:r>
-            <a:r>
-              <a:rPr lang="bg-BG" altLang="ko-KR" sz="2000" b="1" noProof="1" smtClean="0">
-                <a:solidFill>
-                  <a:srgbClr val="8CF4F2"/>
-                </a:solidFill>
-                <a:effectLst>
-                  <a:outerShdw blurRad="38100" dist="38100" dir="2700000" algn="tl">
-                    <a:srgbClr val="000000">
-                      <a:alpha val="43137"/>
-                    </a:srgbClr>
-                  </a:outerShdw>
-                </a:effectLst>
-                <a:latin typeface="Consolas" pitchFamily="49" charset="0"/>
-                <a:cs typeface="Consolas" pitchFamily="49" charset="0"/>
-              </a:rPr>
-              <a:t>{ </a:t>
-            </a:r>
-            <a:r>
-              <a:rPr lang="bg-BG" altLang="ko-KR" sz="2000" b="1" noProof="1" smtClean="0">
-                <a:solidFill>
-                  <a:srgbClr val="8CF4F2"/>
-                </a:solidFill>
-                <a:effectLst>
-                  <a:outerShdw blurRad="38100" dist="38100" dir="2700000" algn="tl">
-                    <a:srgbClr val="000000">
-                      <a:alpha val="43137"/>
-                    </a:srgbClr>
-                  </a:outerShdw>
-                </a:effectLst>
-                <a:latin typeface="Consolas" pitchFamily="49" charset="0"/>
-                <a:cs typeface="Consolas" pitchFamily="49" charset="0"/>
-              </a:rPr>
-              <a:t>get</a:t>
-            </a:r>
-            <a:r>
-              <a:rPr lang="bg-BG" altLang="ko-KR" sz="2000" b="1" noProof="1" smtClean="0">
-                <a:solidFill>
-                  <a:srgbClr val="8CF4F2"/>
-                </a:solidFill>
-                <a:effectLst>
-                  <a:outerShdw blurRad="38100" dist="38100" dir="2700000" algn="tl">
-                    <a:srgbClr val="000000">
-                      <a:alpha val="43137"/>
-                    </a:srgbClr>
-                  </a:outerShdw>
-                </a:effectLst>
-                <a:latin typeface="Consolas" pitchFamily="49" charset="0"/>
-                <a:cs typeface="Consolas" pitchFamily="49" charset="0"/>
-              </a:rPr>
-              <a:t>; </a:t>
-            </a:r>
-            <a:r>
-              <a:rPr lang="bg-BG" altLang="ko-KR" sz="2000" b="1" noProof="1" smtClean="0">
-                <a:solidFill>
-                  <a:srgbClr val="8CF4F2"/>
-                </a:solidFill>
-                <a:effectLst>
-                  <a:outerShdw blurRad="38100" dist="38100" dir="2700000" algn="tl">
-                    <a:srgbClr val="000000">
-                      <a:alpha val="43137"/>
-                    </a:srgbClr>
-                  </a:outerShdw>
-                </a:effectLst>
-                <a:latin typeface="Consolas" pitchFamily="49" charset="0"/>
-                <a:cs typeface="Consolas" pitchFamily="49" charset="0"/>
-              </a:rPr>
-              <a:t>}</a:t>
+              <a:t>    { get; }</a:t>
             </a:r>
           </a:p>
           <a:p>
@@ -35063,41 +34931,7 @@
                 <a:latin typeface="Consolas" pitchFamily="49" charset="0"/>
                 <a:cs typeface="Consolas" pitchFamily="49" charset="0"/>
               </a:rPr>
-              <a:t>      </a:t>
-            </a:r>
-            <a:r>
-              <a:rPr lang="en-US" altLang="ko-KR" sz="2000" b="1" noProof="1" smtClean="0">
-                <a:solidFill>
-                  <a:srgbClr val="8CF4F2"/>
-                </a:solidFill>
-                <a:effectLst>
-                  <a:outerShdw blurRad="38100" dist="38100" dir="2700000" algn="tl">
-                    <a:srgbClr val="000000">
-                      <a:alpha val="43137"/>
-                    </a:srgbClr>
-                  </a:outerShdw>
-                </a:effectLst>
-                <a:latin typeface="Consolas" pitchFamily="49" charset="0"/>
-                <a:cs typeface="Consolas" pitchFamily="49" charset="0"/>
-              </a:rPr>
-              <a:t>this.x </a:t>
-            </a:r>
-            <a:r>
-              <a:rPr lang="en-US" altLang="ko-KR" sz="2000" b="1" noProof="1" smtClean="0">
-                <a:solidFill>
-                  <a:srgbClr val="8CF4F2"/>
-                </a:solidFill>
-                <a:effectLst>
-                  <a:outerShdw blurRad="38100" dist="38100" dir="2700000" algn="tl">
-                    <a:srgbClr val="000000">
-                      <a:alpha val="43137"/>
-                    </a:srgbClr>
-                  </a:outerShdw>
-                </a:effectLst>
-                <a:latin typeface="Consolas" pitchFamily="49" charset="0"/>
-                <a:cs typeface="Consolas" pitchFamily="49" charset="0"/>
-              </a:rPr>
-              <a:t>= x;</a:t>
+              <a:t>      this.x = x;</a:t>
             </a:r>
           </a:p>
           <a:p>
@@ -35128,41 +34962,7 @@
                 <a:latin typeface="Consolas" pitchFamily="49" charset="0"/>
                 <a:cs typeface="Consolas" pitchFamily="49" charset="0"/>
               </a:rPr>
-              <a:t>      </a:t>
-            </a:r>
-            <a:r>
-              <a:rPr lang="en-US" altLang="ko-KR" sz="2000" b="1" noProof="1" smtClean="0">
-                <a:solidFill>
-                  <a:srgbClr val="8CF4F2"/>
-                </a:solidFill>
-                <a:effectLst>
-                  <a:outerShdw blurRad="38100" dist="38100" dir="2700000" algn="tl">
-                    <a:srgbClr val="000000">
-                      <a:alpha val="43137"/>
-                    </a:srgbClr>
-                  </a:outerShdw>
-                </a:effectLst>
-                <a:latin typeface="Consolas" pitchFamily="49" charset="0"/>
-                <a:cs typeface="Consolas" pitchFamily="49" charset="0"/>
-              </a:rPr>
-              <a:t>this.y </a:t>
-            </a:r>
-            <a:r>
-              <a:rPr lang="en-US" altLang="ko-KR" sz="2000" b="1" noProof="1" smtClean="0">
-                <a:solidFill>
-                  <a:srgbClr val="8CF4F2"/>
-                </a:solidFill>
-                <a:effectLst>
-                  <a:outerShdw blurRad="38100" dist="38100" dir="2700000" algn="tl">
-                    <a:srgbClr val="000000">
-                      <a:alpha val="43137"/>
-                    </a:srgbClr>
-                  </a:outerShdw>
-                </a:effectLst>
-                <a:latin typeface="Consolas" pitchFamily="49" charset="0"/>
-                <a:cs typeface="Consolas" pitchFamily="49" charset="0"/>
-              </a:rPr>
-              <a:t>= y;</a:t>
+              <a:t>      this.y = y;</a:t>
             </a:r>
           </a:p>
           <a:p>
@@ -35292,41 +35092,7 @@
                 <a:latin typeface="Consolas" pitchFamily="49" charset="0"/>
                 <a:cs typeface="Consolas" pitchFamily="49" charset="0"/>
               </a:rPr>
-              <a:t>      </a:t>
-            </a:r>
-            <a:r>
-              <a:rPr lang="en-US" altLang="ko-KR" sz="2000" b="1" noProof="1" smtClean="0">
-                <a:solidFill>
-                  <a:srgbClr val="8CF4F2"/>
-                </a:solidFill>
-                <a:effectLst>
-                  <a:outerShdw blurRad="38100" dist="38100" dir="2700000" algn="tl">
-                    <a:srgbClr val="000000">
-                      <a:alpha val="43137"/>
-                    </a:srgbClr>
-                  </a:outerShdw>
-                </a:effectLst>
-                <a:latin typeface="Consolas" pitchFamily="49" charset="0"/>
-                <a:cs typeface="Consolas" pitchFamily="49" charset="0"/>
-              </a:rPr>
-              <a:t>return </a:t>
-            </a:r>
-            <a:r>
-              <a:rPr lang="en-US" altLang="ko-KR" sz="2000" b="1" noProof="1" smtClean="0">
-                <a:solidFill>
-                  <a:srgbClr val="8CF4F2"/>
-                </a:solidFill>
-                <a:effectLst>
-                  <a:outerShdw blurRad="38100" dist="38100" dir="2700000" algn="tl">
-                    <a:srgbClr val="000000">
-                      <a:alpha val="43137"/>
-                    </a:srgbClr>
-                  </a:outerShdw>
-                </a:effectLst>
-                <a:latin typeface="Consolas" pitchFamily="49" charset="0"/>
-                <a:cs typeface="Consolas" pitchFamily="49" charset="0"/>
-              </a:rPr>
-              <a:t>this.width * this.height;</a:t>
+              <a:t>      return this.width * this.height;</a:t>
             </a:r>
           </a:p>
           <a:p>
@@ -35456,41 +35222,7 @@
                 <a:latin typeface="Consolas" pitchFamily="49" charset="0"/>
                 <a:cs typeface="Consolas" pitchFamily="49" charset="0"/>
               </a:rPr>
-              <a:t>      </a:t>
-            </a:r>
-            <a:r>
-              <a:rPr lang="en-US" altLang="ko-KR" sz="2000" b="1" noProof="1" smtClean="0">
-                <a:solidFill>
-                  <a:srgbClr val="8CF4F2"/>
-                </a:solidFill>
-                <a:effectLst>
-                  <a:outerShdw blurRad="38100" dist="38100" dir="2700000" algn="tl">
-                    <a:srgbClr val="000000">
-                      <a:alpha val="43137"/>
-                    </a:srgbClr>
-                  </a:outerShdw>
-                </a:effectLst>
-                <a:latin typeface="Consolas" pitchFamily="49" charset="0"/>
-                <a:cs typeface="Consolas" pitchFamily="49" charset="0"/>
-              </a:rPr>
-              <a:t>this.x </a:t>
-            </a:r>
-            <a:r>
-              <a:rPr lang="en-US" altLang="ko-KR" sz="2000" b="1" noProof="1" smtClean="0">
-                <a:solidFill>
-                  <a:srgbClr val="8CF4F2"/>
-                </a:solidFill>
-                <a:effectLst>
-                  <a:outerShdw blurRad="38100" dist="38100" dir="2700000" algn="tl">
-                    <a:srgbClr val="000000">
-                      <a:alpha val="43137"/>
-                    </a:srgbClr>
-                  </a:outerShdw>
-                </a:effectLst>
-                <a:latin typeface="Consolas" pitchFamily="49" charset="0"/>
-                <a:cs typeface="Consolas" pitchFamily="49" charset="0"/>
-              </a:rPr>
-              <a:t>+= deltaX;</a:t>
+              <a:t>      this.x += deltaX;</a:t>
             </a:r>
           </a:p>
           <a:p>
@@ -35521,41 +35253,7 @@
                 <a:latin typeface="Consolas" pitchFamily="49" charset="0"/>
                 <a:cs typeface="Consolas" pitchFamily="49" charset="0"/>
               </a:rPr>
-              <a:t>      </a:t>
-            </a:r>
-            <a:r>
-              <a:rPr lang="en-US" altLang="ko-KR" sz="2000" b="1" noProof="1" smtClean="0">
-                <a:solidFill>
-                  <a:srgbClr val="8CF4F2"/>
-                </a:solidFill>
-                <a:effectLst>
-                  <a:outerShdw blurRad="38100" dist="38100" dir="2700000" algn="tl">
-                    <a:srgbClr val="000000">
-                      <a:alpha val="43137"/>
-                    </a:srgbClr>
-                  </a:outerShdw>
-                </a:effectLst>
-                <a:latin typeface="Consolas" pitchFamily="49" charset="0"/>
-                <a:cs typeface="Consolas" pitchFamily="49" charset="0"/>
-              </a:rPr>
-              <a:t>this.y </a:t>
-            </a:r>
-            <a:r>
-              <a:rPr lang="en-US" altLang="ko-KR" sz="2000" b="1" noProof="1" smtClean="0">
-                <a:solidFill>
-                  <a:srgbClr val="8CF4F2"/>
-                </a:solidFill>
-                <a:effectLst>
-                  <a:outerShdw blurRad="38100" dist="38100" dir="2700000" algn="tl">
-                    <a:srgbClr val="000000">
-                      <a:alpha val="43137"/>
-                    </a:srgbClr>
-                  </a:outerShdw>
-                </a:effectLst>
-                <a:latin typeface="Consolas" pitchFamily="49" charset="0"/>
-                <a:cs typeface="Consolas" pitchFamily="49" charset="0"/>
-              </a:rPr>
-              <a:t>+= deltaY;</a:t>
+              <a:t>      this.y += deltaY;</a:t>
             </a:r>
           </a:p>
           <a:p>
@@ -36072,41 +35770,7 @@
                 <a:latin typeface="Consolas" pitchFamily="49" charset="0"/>
                 <a:cs typeface="Consolas" pitchFamily="49" charset="0"/>
               </a:rPr>
-              <a:t>   </a:t>
-            </a:r>
-            <a:r>
-              <a:rPr lang="bg-BG" altLang="ko-KR" sz="2200" b="1" noProof="1" smtClean="0">
-                <a:solidFill>
-                  <a:srgbClr val="8CF4F2"/>
-                </a:solidFill>
-                <a:effectLst>
-                  <a:outerShdw blurRad="38100" dist="38100" dir="2700000" algn="tl">
-                    <a:srgbClr val="000000">
-                      <a:alpha val="43137"/>
-                    </a:srgbClr>
-                  </a:outerShdw>
-                </a:effectLst>
-                <a:latin typeface="Consolas" pitchFamily="49" charset="0"/>
-                <a:cs typeface="Consolas" pitchFamily="49" charset="0"/>
-              </a:rPr>
-              <a:t>private </a:t>
-            </a:r>
-            <a:r>
-              <a:rPr lang="bg-BG" altLang="ko-KR" sz="2200" b="1" noProof="1" smtClean="0">
-                <a:solidFill>
-                  <a:srgbClr val="8CF4F2"/>
-                </a:solidFill>
-                <a:effectLst>
-                  <a:outerShdw blurRad="38100" dist="38100" dir="2700000" algn="tl">
-                    <a:srgbClr val="000000">
-                      <a:alpha val="43137"/>
-                    </a:srgbClr>
-                  </a:outerShdw>
-                </a:effectLst>
-                <a:latin typeface="Consolas" pitchFamily="49" charset="0"/>
-                <a:cs typeface="Consolas" pitchFamily="49" charset="0"/>
-              </a:rPr>
-              <a:t>int x, y;</a:t>
+              <a:t>   private int x, y;</a:t>
             </a:r>
           </a:p>
           <a:p>
@@ -36137,41 +35801,7 @@
                 <a:latin typeface="Consolas" pitchFamily="49" charset="0"/>
                 <a:cs typeface="Consolas" pitchFamily="49" charset="0"/>
               </a:rPr>
-              <a:t>   </a:t>
-            </a:r>
-            <a:r>
-              <a:rPr lang="bg-BG" altLang="ko-KR" sz="2200" b="1" noProof="1" smtClean="0">
-                <a:solidFill>
-                  <a:srgbClr val="8CF4F2"/>
-                </a:solidFill>
-                <a:effectLst>
-                  <a:outerShdw blurRad="38100" dist="38100" dir="2700000" algn="tl">
-                    <a:srgbClr val="000000">
-                      <a:alpha val="43137"/>
-                    </a:srgbClr>
-                  </a:outerShdw>
-                </a:effectLst>
-                <a:latin typeface="Consolas" pitchFamily="49" charset="0"/>
-                <a:cs typeface="Consolas" pitchFamily="49" charset="0"/>
-              </a:rPr>
-              <a:t>public </a:t>
-            </a:r>
-            <a:r>
-              <a:rPr lang="bg-BG" altLang="ko-KR" sz="2200" b="1" noProof="1" smtClean="0">
-                <a:solidFill>
-                  <a:srgbClr val="8CF4F2"/>
-                </a:solidFill>
-                <a:effectLst>
-                  <a:outerShdw blurRad="38100" dist="38100" dir="2700000" algn="tl">
-                    <a:srgbClr val="000000">
-                      <a:alpha val="43137"/>
-                    </a:srgbClr>
-                  </a:outerShdw>
-                </a:effectLst>
-                <a:latin typeface="Consolas" pitchFamily="49" charset="0"/>
-                <a:cs typeface="Consolas" pitchFamily="49" charset="0"/>
-              </a:rPr>
-              <a:t>void Move(int </a:t>
+              <a:t>   public void Move(int </a:t>
             </a:r>
             <a:r>
               <a:rPr lang="en-US" altLang="ko-KR" sz="2200" b="1" noProof="1" smtClean="0">
@@ -36270,39 +35900,8 @@
                 <a:latin typeface="Consolas" pitchFamily="49" charset="0"/>
                 <a:cs typeface="Consolas" pitchFamily="49" charset="0"/>
               </a:rPr>
-              <a:t>   </a:t>
-            </a:r>
-            <a:r>
-              <a:rPr lang="bg-BG" altLang="ko-KR" sz="2200" b="1" noProof="1" smtClean="0">
-                <a:solidFill>
-                  <a:srgbClr val="8CF4F2"/>
-                </a:solidFill>
-                <a:effectLst>
-                  <a:outerShdw blurRad="38100" dist="38100" dir="2700000" algn="tl">
-                    <a:srgbClr val="000000">
-                      <a:alpha val="43137"/>
-                    </a:srgbClr>
-                  </a:outerShdw>
-                </a:effectLst>
-                <a:latin typeface="Consolas" pitchFamily="49" charset="0"/>
-                <a:cs typeface="Consolas" pitchFamily="49" charset="0"/>
-              </a:rPr>
-              <a:t>{</a:t>
-            </a:r>
-            <a:endParaRPr lang="bg-BG" altLang="ko-KR" sz="2200" b="1" noProof="1" smtClean="0">
-              <a:solidFill>
-                <a:srgbClr val="8CF4F2"/>
-              </a:solidFill>
-              <a:effectLst>
-                <a:outerShdw blurRad="38100" dist="38100" dir="2700000" algn="tl">
-                  <a:srgbClr val="000000">
-                    <a:alpha val="43137"/>
-                  </a:srgbClr>
-                </a:outerShdw>
-              </a:effectLst>
-              <a:latin typeface="Consolas" pitchFamily="49" charset="0"/>
-              <a:cs typeface="Consolas" pitchFamily="49" charset="0"/>
-            </a:endParaRPr>
+              <a:t>   {</a:t>
+            </a:r>
           </a:p>
           <a:p>
             <a:pPr marL="282575" indent="-282575" eaLnBrk="0" hangingPunct="0">
@@ -36332,41 +35931,7 @@
                 <a:latin typeface="Consolas" pitchFamily="49" charset="0"/>
                 <a:cs typeface="Consolas" pitchFamily="49" charset="0"/>
               </a:rPr>
-              <a:t>      </a:t>
-            </a:r>
-            <a:r>
-              <a:rPr lang="bg-BG" altLang="ko-KR" sz="2200" b="1" noProof="1" smtClean="0">
-                <a:solidFill>
-                  <a:srgbClr val="8CF4F2"/>
-                </a:solidFill>
-                <a:effectLst>
-                  <a:outerShdw blurRad="38100" dist="38100" dir="2700000" algn="tl">
-                    <a:srgbClr val="000000">
-                      <a:alpha val="43137"/>
-                    </a:srgbClr>
-                  </a:outerShdw>
-                </a:effectLst>
-                <a:latin typeface="Consolas" pitchFamily="49" charset="0"/>
-                <a:cs typeface="Consolas" pitchFamily="49" charset="0"/>
-              </a:rPr>
-              <a:t>this.x </a:t>
-            </a:r>
-            <a:r>
-              <a:rPr lang="bg-BG" altLang="ko-KR" sz="2200" b="1" noProof="1" smtClean="0">
-                <a:solidFill>
-                  <a:srgbClr val="8CF4F2"/>
-                </a:solidFill>
-                <a:effectLst>
-                  <a:outerShdw blurRad="38100" dist="38100" dir="2700000" algn="tl">
-                    <a:srgbClr val="000000">
-                      <a:alpha val="43137"/>
-                    </a:srgbClr>
-                  </a:outerShdw>
-                </a:effectLst>
-                <a:latin typeface="Consolas" pitchFamily="49" charset="0"/>
-                <a:cs typeface="Consolas" pitchFamily="49" charset="0"/>
-              </a:rPr>
-              <a:t>+= </a:t>
+              <a:t>      this.x += </a:t>
             </a:r>
             <a:r>
               <a:rPr lang="en-US" altLang="ko-KR" sz="2200" b="1" noProof="1" smtClean="0">
@@ -36431,41 +35996,7 @@
                 <a:latin typeface="Consolas" pitchFamily="49" charset="0"/>
                 <a:cs typeface="Consolas" pitchFamily="49" charset="0"/>
               </a:rPr>
-              <a:t>      </a:t>
-            </a:r>
-            <a:r>
-              <a:rPr lang="bg-BG" altLang="ko-KR" sz="2200" b="1" noProof="1" smtClean="0">
-                <a:solidFill>
-                  <a:srgbClr val="8CF4F2"/>
-                </a:solidFill>
-                <a:effectLst>
-                  <a:outerShdw blurRad="38100" dist="38100" dir="2700000" algn="tl">
-                    <a:srgbClr val="000000">
-                      <a:alpha val="43137"/>
-                    </a:srgbClr>
-                  </a:outerShdw>
-                </a:effectLst>
-                <a:latin typeface="Consolas" pitchFamily="49" charset="0"/>
-                <a:cs typeface="Consolas" pitchFamily="49" charset="0"/>
-              </a:rPr>
-              <a:t>this.y </a:t>
-            </a:r>
-            <a:r>
-              <a:rPr lang="bg-BG" altLang="ko-KR" sz="2200" b="1" noProof="1" smtClean="0">
-                <a:solidFill>
-                  <a:srgbClr val="8CF4F2"/>
-                </a:solidFill>
-                <a:effectLst>
-                  <a:outerShdw blurRad="38100" dist="38100" dir="2700000" algn="tl">
-                    <a:srgbClr val="000000">
-                      <a:alpha val="43137"/>
-                    </a:srgbClr>
-                  </a:outerShdw>
-                </a:effectLst>
-                <a:latin typeface="Consolas" pitchFamily="49" charset="0"/>
-                <a:cs typeface="Consolas" pitchFamily="49" charset="0"/>
-              </a:rPr>
-              <a:t>+= </a:t>
+              <a:t>      this.y += </a:t>
             </a:r>
             <a:r>
               <a:rPr lang="en-US" altLang="ko-KR" sz="2200" b="1" noProof="1" smtClean="0">
@@ -36530,39 +36061,8 @@
                 <a:latin typeface="Consolas" pitchFamily="49" charset="0"/>
                 <a:cs typeface="Consolas" pitchFamily="49" charset="0"/>
               </a:rPr>
-              <a:t>   </a:t>
-            </a:r>
-            <a:r>
-              <a:rPr lang="bg-BG" altLang="ko-KR" sz="2200" b="1" noProof="1" smtClean="0">
-                <a:solidFill>
-                  <a:srgbClr val="8CF4F2"/>
-                </a:solidFill>
-                <a:effectLst>
-                  <a:outerShdw blurRad="38100" dist="38100" dir="2700000" algn="tl">
-                    <a:srgbClr val="000000">
-                      <a:alpha val="43137"/>
-                    </a:srgbClr>
-                  </a:outerShdw>
-                </a:effectLst>
-                <a:latin typeface="Consolas" pitchFamily="49" charset="0"/>
-                <a:cs typeface="Consolas" pitchFamily="49" charset="0"/>
-              </a:rPr>
-              <a:t>}</a:t>
-            </a:r>
-            <a:endParaRPr lang="bg-BG" altLang="ko-KR" sz="2200" b="1" noProof="1" smtClean="0">
-              <a:solidFill>
-                <a:srgbClr val="8CF4F2"/>
-              </a:solidFill>
-              <a:effectLst>
-                <a:outerShdw blurRad="38100" dist="38100" dir="2700000" algn="tl">
-                  <a:srgbClr val="000000">
-                    <a:alpha val="43137"/>
-                  </a:srgbClr>
-                </a:outerShdw>
-              </a:effectLst>
-              <a:latin typeface="Consolas" pitchFamily="49" charset="0"/>
-              <a:cs typeface="Consolas" pitchFamily="49" charset="0"/>
-            </a:endParaRPr>
+              <a:t>   }</a:t>
+            </a:r>
           </a:p>
           <a:p>
             <a:pPr marL="282575" indent="-282575" eaLnBrk="0" hangingPunct="0">
@@ -36592,41 +36092,7 @@
                 <a:latin typeface="Consolas" pitchFamily="49" charset="0"/>
                 <a:cs typeface="Consolas" pitchFamily="49" charset="0"/>
               </a:rPr>
-              <a:t>   </a:t>
-            </a:r>
-            <a:r>
-              <a:rPr lang="bg-BG" altLang="ko-KR" sz="2200" b="1" noProof="1" smtClean="0">
-                <a:solidFill>
-                  <a:srgbClr val="8CF4F2"/>
-                </a:solidFill>
-                <a:effectLst>
-                  <a:outerShdw blurRad="38100" dist="38100" dir="2700000" algn="tl">
-                    <a:srgbClr val="000000">
-                      <a:alpha val="43137"/>
-                    </a:srgbClr>
-                  </a:outerShdw>
-                </a:effectLst>
-                <a:latin typeface="Consolas" pitchFamily="49" charset="0"/>
-                <a:cs typeface="Consolas" pitchFamily="49" charset="0"/>
-              </a:rPr>
-              <a:t>public </a:t>
-            </a:r>
-            <a:r>
-              <a:rPr lang="bg-BG" altLang="ko-KR" sz="2200" b="1" noProof="1" smtClean="0">
-                <a:solidFill>
-                  <a:srgbClr val="8CF4F2"/>
-                </a:solidFill>
-                <a:effectLst>
-                  <a:outerShdw blurRad="38100" dist="38100" dir="2700000" algn="tl">
-                    <a:srgbClr val="000000">
-                      <a:alpha val="43137"/>
-                    </a:srgbClr>
-                  </a:outerShdw>
-                </a:effectLst>
-                <a:latin typeface="Consolas" pitchFamily="49" charset="0"/>
-                <a:cs typeface="Consolas" pitchFamily="49" charset="0"/>
-              </a:rPr>
-              <a:t>void SetPosition(int </a:t>
+              <a:t>   public void SetPosition(int </a:t>
             </a:r>
             <a:r>
               <a:rPr lang="en-US" altLang="ko-KR" sz="2200" b="1" noProof="1" smtClean="0">
@@ -36725,39 +36191,8 @@
                 <a:latin typeface="Consolas" pitchFamily="49" charset="0"/>
                 <a:cs typeface="Consolas" pitchFamily="49" charset="0"/>
               </a:rPr>
-              <a:t>   </a:t>
-            </a:r>
-            <a:r>
-              <a:rPr lang="bg-BG" altLang="ko-KR" sz="2200" b="1" noProof="1" smtClean="0">
-                <a:solidFill>
-                  <a:srgbClr val="8CF4F2"/>
-                </a:solidFill>
-                <a:effectLst>
-                  <a:outerShdw blurRad="38100" dist="38100" dir="2700000" algn="tl">
-                    <a:srgbClr val="000000">
-                      <a:alpha val="43137"/>
-                    </a:srgbClr>
-                  </a:outerShdw>
-                </a:effectLst>
-                <a:latin typeface="Consolas" pitchFamily="49" charset="0"/>
-                <a:cs typeface="Consolas" pitchFamily="49" charset="0"/>
-              </a:rPr>
-              <a:t>{</a:t>
-            </a:r>
-            <a:endParaRPr lang="bg-BG" altLang="ko-KR" sz="2200" b="1" noProof="1" smtClean="0">
-              <a:solidFill>
-                <a:srgbClr val="8CF4F2"/>
-              </a:solidFill>
-              <a:effectLst>
-                <a:outerShdw blurRad="38100" dist="38100" dir="2700000" algn="tl">
-                  <a:srgbClr val="000000">
-                    <a:alpha val="43137"/>
-                  </a:srgbClr>
-                </a:outerShdw>
-              </a:effectLst>
-              <a:latin typeface="Consolas" pitchFamily="49" charset="0"/>
-              <a:cs typeface="Consolas" pitchFamily="49" charset="0"/>
-            </a:endParaRPr>
+              <a:t>   {</a:t>
+            </a:r>
           </a:p>
           <a:p>
             <a:pPr marL="282575" indent="-282575" eaLnBrk="0" hangingPunct="0">
@@ -36787,41 +36222,7 @@
                 <a:latin typeface="Consolas" pitchFamily="49" charset="0"/>
                 <a:cs typeface="Consolas" pitchFamily="49" charset="0"/>
               </a:rPr>
-              <a:t>      </a:t>
-            </a:r>
-            <a:r>
-              <a:rPr lang="bg-BG" altLang="ko-KR" sz="2200" b="1" noProof="1" smtClean="0">
-                <a:solidFill>
-                  <a:srgbClr val="8CF4F2"/>
-                </a:solidFill>
-                <a:effectLst>
-                  <a:outerShdw blurRad="38100" dist="38100" dir="2700000" algn="tl">
-                    <a:srgbClr val="000000">
-                      <a:alpha val="43137"/>
-                    </a:srgbClr>
-                  </a:outerShdw>
-                </a:effectLst>
-                <a:latin typeface="Consolas" pitchFamily="49" charset="0"/>
-                <a:cs typeface="Consolas" pitchFamily="49" charset="0"/>
-              </a:rPr>
-              <a:t>this.x </a:t>
-            </a:r>
-            <a:r>
-              <a:rPr lang="bg-BG" altLang="ko-KR" sz="2200" b="1" noProof="1" smtClean="0">
-                <a:solidFill>
-                  <a:srgbClr val="8CF4F2"/>
-                </a:solidFill>
-                <a:effectLst>
-                  <a:outerShdw blurRad="38100" dist="38100" dir="2700000" algn="tl">
-                    <a:srgbClr val="000000">
-                      <a:alpha val="43137"/>
-                    </a:srgbClr>
-                  </a:outerShdw>
-                </a:effectLst>
-                <a:latin typeface="Consolas" pitchFamily="49" charset="0"/>
-                <a:cs typeface="Consolas" pitchFamily="49" charset="0"/>
-              </a:rPr>
-              <a:t>= </a:t>
+              <a:t>      this.x = </a:t>
             </a:r>
             <a:r>
               <a:rPr lang="en-US" altLang="ko-KR" sz="2200" b="1" noProof="1" smtClean="0">
@@ -36886,41 +36287,7 @@
                 <a:latin typeface="Consolas" pitchFamily="49" charset="0"/>
                 <a:cs typeface="Consolas" pitchFamily="49" charset="0"/>
               </a:rPr>
-              <a:t>      </a:t>
-            </a:r>
-            <a:r>
-              <a:rPr lang="bg-BG" altLang="ko-KR" sz="2200" b="1" noProof="1" smtClean="0">
-                <a:solidFill>
-                  <a:srgbClr val="8CF4F2"/>
-                </a:solidFill>
-                <a:effectLst>
-                  <a:outerShdw blurRad="38100" dist="38100" dir="2700000" algn="tl">
-                    <a:srgbClr val="000000">
-                      <a:alpha val="43137"/>
-                    </a:srgbClr>
-                  </a:outerShdw>
-                </a:effectLst>
-                <a:latin typeface="Consolas" pitchFamily="49" charset="0"/>
-                <a:cs typeface="Consolas" pitchFamily="49" charset="0"/>
-              </a:rPr>
-              <a:t>this.y </a:t>
-            </a:r>
-            <a:r>
-              <a:rPr lang="bg-BG" altLang="ko-KR" sz="2200" b="1" noProof="1" smtClean="0">
-                <a:solidFill>
-                  <a:srgbClr val="8CF4F2"/>
-                </a:solidFill>
-                <a:effectLst>
-                  <a:outerShdw blurRad="38100" dist="38100" dir="2700000" algn="tl">
-                    <a:srgbClr val="000000">
-                      <a:alpha val="43137"/>
-                    </a:srgbClr>
-                  </a:outerShdw>
-                </a:effectLst>
-                <a:latin typeface="Consolas" pitchFamily="49" charset="0"/>
-                <a:cs typeface="Consolas" pitchFamily="49" charset="0"/>
-              </a:rPr>
-              <a:t>= </a:t>
+              <a:t>      this.y = </a:t>
             </a:r>
             <a:r>
               <a:rPr lang="en-US" altLang="ko-KR" sz="2200" b="1" noProof="1" smtClean="0">
@@ -36985,39 +36352,8 @@
                 <a:latin typeface="Consolas" pitchFamily="49" charset="0"/>
                 <a:cs typeface="Consolas" pitchFamily="49" charset="0"/>
               </a:rPr>
-              <a:t>   </a:t>
-            </a:r>
-            <a:r>
-              <a:rPr lang="bg-BG" altLang="ko-KR" sz="2200" b="1" noProof="1" smtClean="0">
-                <a:solidFill>
-                  <a:srgbClr val="8CF4F2"/>
-                </a:solidFill>
-                <a:effectLst>
-                  <a:outerShdw blurRad="38100" dist="38100" dir="2700000" algn="tl">
-                    <a:srgbClr val="000000">
-                      <a:alpha val="43137"/>
-                    </a:srgbClr>
-                  </a:outerShdw>
-                </a:effectLst>
-                <a:latin typeface="Consolas" pitchFamily="49" charset="0"/>
-                <a:cs typeface="Consolas" pitchFamily="49" charset="0"/>
-              </a:rPr>
-              <a:t>}</a:t>
-            </a:r>
-            <a:endParaRPr lang="bg-BG" altLang="ko-KR" sz="2200" b="1" noProof="1" smtClean="0">
-              <a:solidFill>
-                <a:srgbClr val="8CF4F2"/>
-              </a:solidFill>
-              <a:effectLst>
-                <a:outerShdw blurRad="38100" dist="38100" dir="2700000" algn="tl">
-                  <a:srgbClr val="000000">
-                    <a:alpha val="43137"/>
-                  </a:srgbClr>
-                </a:outerShdw>
-              </a:effectLst>
-              <a:latin typeface="Consolas" pitchFamily="49" charset="0"/>
-              <a:cs typeface="Consolas" pitchFamily="49" charset="0"/>
-            </a:endParaRPr>
+              <a:t>   }</a:t>
+            </a:r>
           </a:p>
           <a:p>
             <a:pPr marL="282575" indent="-282575" eaLnBrk="0" hangingPunct="0">
@@ -37047,41 +36383,7 @@
                 <a:latin typeface="Consolas" pitchFamily="49" charset="0"/>
                 <a:cs typeface="Consolas" pitchFamily="49" charset="0"/>
               </a:rPr>
-              <a:t>   </a:t>
-            </a:r>
-            <a:r>
-              <a:rPr lang="bg-BG" altLang="ko-KR" sz="2200" b="1" noProof="1" smtClean="0">
-                <a:solidFill>
-                  <a:srgbClr val="8CF4F2"/>
-                </a:solidFill>
-                <a:effectLst>
-                  <a:outerShdw blurRad="38100" dist="38100" dir="2700000" algn="tl">
-                    <a:srgbClr val="000000">
-                      <a:alpha val="43137"/>
-                    </a:srgbClr>
-                  </a:outerShdw>
-                </a:effectLst>
-                <a:latin typeface="Consolas" pitchFamily="49" charset="0"/>
-                <a:cs typeface="Consolas" pitchFamily="49" charset="0"/>
-              </a:rPr>
-              <a:t>public </a:t>
-            </a:r>
-            <a:r>
-              <a:rPr lang="bg-BG" altLang="ko-KR" sz="2200" b="1" noProof="1" smtClean="0">
-                <a:solidFill>
-                  <a:srgbClr val="8CF4F2"/>
-                </a:solidFill>
-                <a:effectLst>
-                  <a:outerShdw blurRad="38100" dist="38100" dir="2700000" algn="tl">
-                    <a:srgbClr val="000000">
-                      <a:alpha val="43137"/>
-                    </a:srgbClr>
-                  </a:outerShdw>
-                </a:effectLst>
-                <a:latin typeface="Consolas" pitchFamily="49" charset="0"/>
-                <a:cs typeface="Consolas" pitchFamily="49" charset="0"/>
-              </a:rPr>
-              <a:t>abstract int CalculateSurface();</a:t>
+              <a:t>   public abstract int CalculateSurface();</a:t>
             </a:r>
           </a:p>
           <a:p>
@@ -40642,20 +39944,6 @@
               </a:rPr>
               <a:t>}</a:t>
             </a:r>
-            <a:endParaRPr lang="en-US" altLang="ko-KR" sz="2000" b="1" noProof="1" smtClean="0">
-              <a:solidFill>
-                <a:srgbClr val="8CF4F2"/>
-              </a:solidFill>
-              <a:effectLst>
-                <a:outerShdw blurRad="38100" dist="38100" dir="2700000" algn="tl">
-                  <a:srgbClr val="000000">
-                    <a:alpha val="43137"/>
-                  </a:srgbClr>
-                </a:outerShdw>
-              </a:effectLst>
-              <a:latin typeface="Consolas" pitchFamily="49" charset="0"/>
-              <a:cs typeface="Consolas" pitchFamily="49" charset="0"/>
-            </a:endParaRPr>
           </a:p>
           <a:p>
             <a:pPr marL="282575" indent="-282575" eaLnBrk="0" hangingPunct="0">
@@ -40789,20 +40077,6 @@
               </a:rPr>
               <a:t>}</a:t>
             </a:r>
-            <a:endParaRPr lang="en-US" altLang="ko-KR" sz="2000" b="1" noProof="1" smtClean="0">
-              <a:solidFill>
-                <a:srgbClr val="8CF4F2"/>
-              </a:solidFill>
-              <a:effectLst>
-                <a:outerShdw blurRad="38100" dist="38100" dir="2700000" algn="tl">
-                  <a:srgbClr val="000000">
-                    <a:alpha val="43137"/>
-                  </a:srgbClr>
-                </a:outerShdw>
-              </a:effectLst>
-              <a:latin typeface="Consolas" pitchFamily="49" charset="0"/>
-              <a:cs typeface="Consolas" pitchFamily="49" charset="0"/>
-            </a:endParaRPr>
           </a:p>
           <a:p>
             <a:pPr marL="282575" indent="-282575" eaLnBrk="0" hangingPunct="0">
@@ -40835,39 +40109,8 @@
                 <a:latin typeface="Consolas" pitchFamily="49" charset="0"/>
                 <a:cs typeface="Consolas" pitchFamily="49" charset="0"/>
               </a:rPr>
-              <a:t>class </a:t>
-            </a:r>
-            <a:r>
-              <a:rPr lang="en-US" altLang="ko-KR" sz="2000" b="1" noProof="1" smtClean="0">
-                <a:solidFill>
-                  <a:srgbClr val="8CF4F2"/>
-                </a:solidFill>
-                <a:effectLst>
-                  <a:outerShdw blurRad="38100" dist="38100" dir="2700000" algn="tl">
-                    <a:srgbClr val="000000">
-                      <a:alpha val="43137"/>
-                    </a:srgbClr>
-                  </a:outerShdw>
-                </a:effectLst>
-                <a:latin typeface="Consolas" pitchFamily="49" charset="0"/>
-                <a:cs typeface="Consolas" pitchFamily="49" charset="0"/>
-              </a:rPr>
-              <a:t>LooseCouplingExample</a:t>
-            </a:r>
-            <a:endParaRPr lang="en-US" altLang="ko-KR" sz="2000" b="1" noProof="1" smtClean="0">
-              <a:solidFill>
-                <a:srgbClr val="8CF4F2"/>
-              </a:solidFill>
-              <a:effectLst>
-                <a:outerShdw blurRad="38100" dist="38100" dir="2700000" algn="tl">
-                  <a:srgbClr val="000000">
-                    <a:alpha val="43137"/>
-                  </a:srgbClr>
-                </a:outerShdw>
-              </a:effectLst>
-              <a:latin typeface="Consolas" pitchFamily="49" charset="0"/>
-              <a:cs typeface="Consolas" pitchFamily="49" charset="0"/>
-            </a:endParaRPr>
+              <a:t>class LooseCouplingExample</a:t>
+            </a:r>
           </a:p>
           <a:p>
             <a:pPr marL="282575" indent="-282575" eaLnBrk="0" hangingPunct="0">
@@ -45237,43 +44480,7 @@
                 <a:cs typeface="Consolas" pitchFamily="49" charset="0"/>
                 <a:sym typeface="Wingdings" pitchFamily="2" charset="2"/>
               </a:rPr>
-              <a:t>   public Dog(int age, string breed</a:t>
-            </a:r>
-            <a:r>
-              <a:rPr lang="en-US" altLang="ko-KR" sz="2000" b="1" noProof="1" smtClean="0">
-                <a:solidFill>
-                  <a:srgbClr val="8CF4F2"/>
-                </a:solidFill>
-                <a:effectLst>
-                  <a:outerShdw blurRad="38100" dist="38100" dir="2700000" algn="tl">
-                    <a:srgbClr val="000000">
-                      <a:alpha val="43137"/>
-                    </a:srgbClr>
-                  </a:outerShdw>
-                </a:effectLst>
-                <a:latin typeface="Consolas" pitchFamily="49" charset="0"/>
-                <a:cs typeface="Consolas" pitchFamily="49" charset="0"/>
-                <a:sym typeface="Wingdings" pitchFamily="2" charset="2"/>
-              </a:rPr>
-              <a:t>): </a:t>
-            </a:r>
-            <a:r>
-              <a:rPr lang="en-US" altLang="ko-KR" sz="2000" b="1" noProof="1" smtClean="0">
-                <a:solidFill>
-                  <a:srgbClr val="8CF4F2"/>
-                </a:solidFill>
-                <a:effectLst>
-                  <a:outerShdw blurRad="38100" dist="38100" dir="2700000" algn="tl">
-                    <a:srgbClr val="000000">
-                      <a:alpha val="43137"/>
-                    </a:srgbClr>
-                  </a:outerShdw>
-                </a:effectLst>
-                <a:latin typeface="Consolas" pitchFamily="49" charset="0"/>
-                <a:cs typeface="Consolas" pitchFamily="49" charset="0"/>
-                <a:sym typeface="Wingdings" pitchFamily="2" charset="2"/>
-              </a:rPr>
-              <a:t>base(age)</a:t>
+              <a:t>   public Dog(int age, string breed): base(age)</a:t>
             </a:r>
           </a:p>
           <a:p>
@@ -45955,41 +45162,8 @@
                 <a:cs typeface="Consolas" pitchFamily="49" charset="0"/>
                 <a:sym typeface="Wingdings" pitchFamily="2" charset="2"/>
               </a:rPr>
-              <a:t>    // Create 5 years old </a:t>
-            </a:r>
-            <a:r>
-              <a:rPr lang="en-US" altLang="ko-KR" sz="2000" b="1" noProof="1" smtClean="0">
-                <a:solidFill>
-                  <a:srgbClr val="8CF4F2"/>
-                </a:solidFill>
-                <a:effectLst>
-                  <a:outerShdw blurRad="38100" dist="38100" dir="2700000" algn="tl">
-                    <a:srgbClr val="000000">
-                      <a:alpha val="43137"/>
-                    </a:srgbClr>
-                  </a:outerShdw>
-                </a:effectLst>
-                <a:latin typeface="Consolas" pitchFamily="49" charset="0"/>
-                <a:cs typeface="Consolas" pitchFamily="49" charset="0"/>
-                <a:sym typeface="Wingdings" pitchFamily="2" charset="2"/>
-              </a:rPr>
-              <a:t>mammal</a:t>
-            </a:r>
-            <a:endParaRPr lang="en-US" altLang="ko-KR" sz="2000" b="1" noProof="1" smtClean="0">
-              <a:solidFill>
-                <a:srgbClr val="8CF4F2"/>
-              </a:solidFill>
-              <a:effectLst>
-                <a:outerShdw blurRad="38100" dist="38100" dir="2700000" algn="tl">
-                  <a:srgbClr val="000000">
-                    <a:alpha val="43137"/>
-                  </a:srgbClr>
-                </a:outerShdw>
-              </a:effectLst>
-              <a:latin typeface="Consolas" pitchFamily="49" charset="0"/>
-              <a:cs typeface="Consolas" pitchFamily="49" charset="0"/>
-              <a:sym typeface="Wingdings" pitchFamily="2" charset="2"/>
-            </a:endParaRPr>
+              <a:t>    // Create 5 years old mammal</a:t>
+            </a:r>
           </a:p>
           <a:p>
             <a:pPr marL="282575" indent="-282575" eaLnBrk="0" hangingPunct="0">
@@ -48523,6 +47697,1699 @@
       </p:grpSpPr>
       <p:sp>
         <p:nvSpPr>
+          <p:cNvPr id="594946" name="Rectangle 2"/>
+          <p:cNvSpPr>
+            <a:spLocks noGrp="1" noChangeArrowheads="1"/>
+          </p:cNvSpPr>
+          <p:nvPr>
+            <p:ph type="title"/>
+          </p:nvPr>
+        </p:nvSpPr>
+        <p:spPr>
+          <a:prstGeom prst="rect">
+            <a:avLst/>
+          </a:prstGeom>
+        </p:spPr>
+        <p:txBody>
+          <a:bodyPr anchor="ctr" anchorCtr="0"/>
+          <a:lstStyle/>
+          <a:p>
+            <a:pPr>
+              <a:lnSpc>
+                <a:spcPts val="4000"/>
+              </a:lnSpc>
+              <a:defRPr/>
+            </a:pPr>
+            <a:r>
+              <a:rPr lang="en-US" sz="4000" dirty="0" smtClean="0"/>
+              <a:t>Homework</a:t>
+            </a:r>
+            <a:endParaRPr lang="bg-BG" sz="4000" dirty="0"/>
+          </a:p>
+        </p:txBody>
+      </p:sp>
+      <p:sp>
+        <p:nvSpPr>
+          <p:cNvPr id="594947" name="Rectangle 3"/>
+          <p:cNvSpPr>
+            <a:spLocks noGrp="1" noChangeArrowheads="1"/>
+          </p:cNvSpPr>
+          <p:nvPr>
+            <p:ph idx="1"/>
+          </p:nvPr>
+        </p:nvSpPr>
+        <p:spPr>
+          <a:xfrm>
+            <a:off x="228600" y="914400"/>
+            <a:ext cx="8686800" cy="5715000"/>
+          </a:xfrm>
+          <a:prstGeom prst="rect">
+            <a:avLst/>
+          </a:prstGeom>
+        </p:spPr>
+        <p:txBody>
+          <a:bodyPr/>
+          <a:lstStyle/>
+          <a:p>
+            <a:pPr marL="446088" indent="-446088">
+              <a:lnSpc>
+                <a:spcPct val="100000"/>
+              </a:lnSpc>
+              <a:buFont typeface="+mj-lt"/>
+              <a:buAutoNum type="arabicPeriod"/>
+              <a:tabLst/>
+            </a:pPr>
+            <a:r>
+              <a:rPr lang="en-US" sz="3000" dirty="0">
+                <a:solidFill>
+                  <a:srgbClr val="EBFFD2"/>
+                </a:solidFill>
+              </a:rPr>
+              <a:t>We are given a school. In the school </a:t>
+            </a:r>
+            <a:r>
+              <a:rPr lang="en-US" sz="3000" dirty="0" smtClean="0">
+                <a:solidFill>
+                  <a:srgbClr val="EBFFD2"/>
+                </a:solidFill>
+              </a:rPr>
+              <a:t>there are </a:t>
+            </a:r>
+            <a:r>
+              <a:rPr lang="en-US" sz="3000" dirty="0">
+                <a:solidFill>
+                  <a:srgbClr val="EBFFD2"/>
+                </a:solidFill>
+              </a:rPr>
+              <a:t>classes of students. Each class has </a:t>
+            </a:r>
+            <a:r>
+              <a:rPr lang="en-US" sz="3000" dirty="0" smtClean="0">
+                <a:solidFill>
+                  <a:srgbClr val="EBFFD2"/>
+                </a:solidFill>
+              </a:rPr>
+              <a:t>a set </a:t>
+            </a:r>
+            <a:r>
+              <a:rPr lang="en-US" sz="3000" dirty="0">
+                <a:solidFill>
+                  <a:srgbClr val="EBFFD2"/>
+                </a:solidFill>
+              </a:rPr>
+              <a:t>of teachers. Each teacher teaches a </a:t>
+            </a:r>
+            <a:r>
+              <a:rPr lang="en-US" sz="3000" dirty="0" smtClean="0">
+                <a:solidFill>
+                  <a:srgbClr val="EBFFD2"/>
+                </a:solidFill>
+              </a:rPr>
+              <a:t>set of </a:t>
+            </a:r>
+            <a:r>
+              <a:rPr lang="en-US" sz="3000" dirty="0">
+                <a:solidFill>
+                  <a:srgbClr val="EBFFD2"/>
+                </a:solidFill>
+              </a:rPr>
+              <a:t>disciplines. Students have name and unique class number. </a:t>
+            </a:r>
+            <a:r>
+              <a:rPr lang="en-US" sz="3000" dirty="0" smtClean="0">
+                <a:solidFill>
+                  <a:srgbClr val="EBFFD2"/>
+                </a:solidFill>
+              </a:rPr>
+              <a:t>Classes </a:t>
+            </a:r>
+            <a:r>
+              <a:rPr lang="en-US" sz="3000" dirty="0">
+                <a:solidFill>
+                  <a:srgbClr val="EBFFD2"/>
+                </a:solidFill>
+              </a:rPr>
+              <a:t>have unique text identifier. Teachers have name. </a:t>
+            </a:r>
+            <a:r>
+              <a:rPr lang="en-US" sz="3000" dirty="0" smtClean="0">
+                <a:solidFill>
+                  <a:srgbClr val="EBFFD2"/>
+                </a:solidFill>
+              </a:rPr>
+              <a:t>Disciplines </a:t>
+            </a:r>
+            <a:r>
+              <a:rPr lang="en-US" sz="3000" dirty="0">
+                <a:solidFill>
+                  <a:srgbClr val="EBFFD2"/>
+                </a:solidFill>
+              </a:rPr>
+              <a:t>have name, number of lectures and number of exercises. Both teachers </a:t>
+            </a:r>
+            <a:r>
+              <a:rPr lang="en-US" sz="3000" dirty="0" smtClean="0">
+                <a:solidFill>
+                  <a:srgbClr val="EBFFD2"/>
+                </a:solidFill>
+              </a:rPr>
+              <a:t>and </a:t>
+            </a:r>
+            <a:r>
+              <a:rPr lang="en-US" sz="3000" dirty="0">
+                <a:solidFill>
+                  <a:srgbClr val="EBFFD2"/>
+                </a:solidFill>
+              </a:rPr>
+              <a:t>students are people.</a:t>
+            </a:r>
+          </a:p>
+          <a:p>
+            <a:pPr marL="446088" indent="-446088">
+              <a:lnSpc>
+                <a:spcPct val="100000"/>
+              </a:lnSpc>
+              <a:buFontTx/>
+              <a:buNone/>
+              <a:tabLst/>
+            </a:pPr>
+            <a:r>
+              <a:rPr lang="en-US" sz="3000" dirty="0">
+                <a:solidFill>
+                  <a:srgbClr val="EBFFD2"/>
+                </a:solidFill>
+              </a:rPr>
+              <a:t>	</a:t>
+            </a:r>
+            <a:r>
+              <a:rPr lang="en-US" sz="3000" dirty="0" smtClean="0">
+                <a:solidFill>
+                  <a:srgbClr val="EBFFD2"/>
+                </a:solidFill>
+              </a:rPr>
+              <a:t>Your </a:t>
+            </a:r>
+            <a:r>
+              <a:rPr lang="en-US" sz="3000" dirty="0">
+                <a:solidFill>
+                  <a:srgbClr val="EBFFD2"/>
+                </a:solidFill>
+              </a:rPr>
+              <a:t>task is to identify the classes (in terms of </a:t>
+            </a:r>
+            <a:r>
+              <a:rPr lang="en-US" sz="3000" dirty="0" smtClean="0">
+                <a:solidFill>
+                  <a:srgbClr val="EBFFD2"/>
+                </a:solidFill>
+              </a:rPr>
+              <a:t> OOP</a:t>
+            </a:r>
+            <a:r>
+              <a:rPr lang="en-US" sz="3000" dirty="0">
+                <a:solidFill>
+                  <a:srgbClr val="EBFFD2"/>
+                </a:solidFill>
+              </a:rPr>
+              <a:t>) and their attributes and </a:t>
+            </a:r>
+            <a:r>
+              <a:rPr lang="en-US" sz="3000" dirty="0" smtClean="0">
+                <a:solidFill>
+                  <a:srgbClr val="EBFFD2"/>
+                </a:solidFill>
+              </a:rPr>
+              <a:t>operations, define the class </a:t>
+            </a:r>
+            <a:r>
+              <a:rPr lang="en-US" sz="3000" dirty="0" smtClean="0">
+                <a:solidFill>
+                  <a:srgbClr val="EBFFD2"/>
+                </a:solidFill>
+              </a:rPr>
+              <a:t>hierarchy.</a:t>
+            </a:r>
+            <a:endParaRPr lang="bg-BG" sz="3000" dirty="0">
+              <a:solidFill>
+                <a:srgbClr val="EBFFD2"/>
+              </a:solidFill>
+            </a:endParaRPr>
+          </a:p>
+        </p:txBody>
+      </p:sp>
+      <p:sp>
+        <p:nvSpPr>
+          <p:cNvPr id="4" name="Slide Number Placeholder 3"/>
+          <p:cNvSpPr txBox="1">
+            <a:spLocks/>
+          </p:cNvSpPr>
+          <p:nvPr/>
+        </p:nvSpPr>
+        <p:spPr>
+          <a:xfrm>
+            <a:off x="8610600" y="6553200"/>
+            <a:ext cx="457200" cy="228600"/>
+          </a:xfrm>
+          <a:prstGeom prst="rect">
+            <a:avLst/>
+          </a:prstGeom>
+        </p:spPr>
+        <p:txBody>
+          <a:bodyPr/>
+          <a:lstStyle/>
+          <a:p>
+            <a:pPr marL="0" marR="0" lvl="0" indent="0" algn="r" defTabSz="914400" eaLnBrk="1" latinLnBrk="0" hangingPunct="1">
+              <a:lnSpc>
+                <a:spcPct val="100000"/>
+              </a:lnSpc>
+              <a:buClrTx/>
+              <a:buSzTx/>
+              <a:buFontTx/>
+              <a:buNone/>
+              <a:tabLst/>
+              <a:defRPr/>
+            </a:pPr>
+            <a:fld id="{58452FF4-89E3-4D1B-9927-2DBDC00E58D7}" type="slidenum">
+              <a:rPr lang="en-US" sz="1100" smtClean="0"/>
+              <a:pPr marL="0" marR="0" lvl="0" indent="0" algn="r" defTabSz="914400" eaLnBrk="1" latinLnBrk="0" hangingPunct="1">
+                <a:lnSpc>
+                  <a:spcPct val="100000"/>
+                </a:lnSpc>
+                <a:buClrTx/>
+                <a:buSzTx/>
+                <a:buFontTx/>
+                <a:buNone/>
+                <a:tabLst/>
+                <a:defRPr/>
+              </a:pPr>
+              <a:t>89</a:t>
+            </a:fld>
+            <a:endParaRPr lang="en-US" sz="1100" dirty="0"/>
+          </a:p>
+        </p:txBody>
+      </p:sp>
+    </p:spTree>
+    <p:extLst>
+      <p:ext uri="{BB962C8B-B14F-4D97-AF65-F5344CB8AC3E}">
+        <p14:creationId xmlns:p14="http://schemas.microsoft.com/office/powerpoint/2010/main" val="3373975628"/>
+      </p:ext>
+    </p:extLst>
+  </p:cSld>
+  <p:clrMapOvr>
+    <a:masterClrMapping/>
+  </p:clrMapOvr>
+  <p:transition/>
+  <p:timing>
+    <p:tnLst>
+      <p:par>
+        <p:cTn id="1" dur="indefinite" restart="never" nodeType="tmRoot"/>
+      </p:par>
+    </p:tnLst>
+  </p:timing>
+</p:sld>
+</file>
+
+<file path=ppt/slides/slide9.xml><?xml version="1.0" encoding="utf-8"?>
+<p:sld xmlns:a="http://schemas.openxmlformats.org/drawingml/2006/main" xmlns:r="http://schemas.openxmlformats.org/officeDocument/2006/relationships" xmlns:p="http://schemas.openxmlformats.org/presentationml/2006/main">
+  <p:cSld>
+    <p:spTree>
+      <p:nvGrpSpPr>
+        <p:cNvPr id="1" name=""/>
+        <p:cNvGrpSpPr/>
+        <p:nvPr/>
+      </p:nvGrpSpPr>
+      <p:grpSpPr>
+        <a:xfrm>
+          <a:off x="0" y="0"/>
+          <a:ext cx="0" cy="0"/>
+          <a:chOff x="0" y="0"/>
+          <a:chExt cx="0" cy="0"/>
+        </a:xfrm>
+      </p:grpSpPr>
+      <p:sp>
+        <p:nvSpPr>
+          <p:cNvPr id="689154" name="Rectangle 2"/>
+          <p:cNvSpPr>
+            <a:spLocks noGrp="1" noChangeArrowheads="1"/>
+          </p:cNvSpPr>
+          <p:nvPr>
+            <p:ph type="title"/>
+          </p:nvPr>
+        </p:nvSpPr>
+        <p:spPr/>
+        <p:txBody>
+          <a:bodyPr/>
+          <a:lstStyle/>
+          <a:p>
+            <a:r>
+              <a:rPr lang="en-US" dirty="0"/>
+              <a:t>Classes and Their Members</a:t>
+            </a:r>
+            <a:endParaRPr lang="bg-BG" dirty="0"/>
+          </a:p>
+        </p:txBody>
+      </p:sp>
+      <p:sp>
+        <p:nvSpPr>
+          <p:cNvPr id="689155" name="Rectangle 3"/>
+          <p:cNvSpPr>
+            <a:spLocks noGrp="1" noChangeArrowheads="1"/>
+          </p:cNvSpPr>
+          <p:nvPr>
+            <p:ph type="body" idx="1"/>
+          </p:nvPr>
+        </p:nvSpPr>
+        <p:spPr>
+          <a:xfrm>
+            <a:off x="228600" y="990600"/>
+            <a:ext cx="8686800" cy="5638800"/>
+          </a:xfrm>
+        </p:spPr>
+        <p:txBody>
+          <a:bodyPr/>
+          <a:lstStyle/>
+          <a:p>
+            <a:pPr>
+              <a:lnSpc>
+                <a:spcPct val="100000"/>
+              </a:lnSpc>
+            </a:pPr>
+            <a:r>
+              <a:rPr lang="en-US" dirty="0"/>
+              <a:t>Classes </a:t>
+            </a:r>
+            <a:r>
+              <a:rPr lang="en-US" dirty="0" smtClean="0"/>
+              <a:t>have </a:t>
+            </a:r>
+            <a:r>
+              <a:rPr lang="en-US" dirty="0"/>
+              <a:t>members</a:t>
+            </a:r>
+          </a:p>
+          <a:p>
+            <a:pPr lvl="1">
+              <a:lnSpc>
+                <a:spcPct val="100000"/>
+              </a:lnSpc>
+            </a:pPr>
+            <a:r>
+              <a:rPr lang="en-US" dirty="0"/>
+              <a:t>Fields</a:t>
+            </a:r>
+            <a:r>
+              <a:rPr lang="bg-BG" dirty="0"/>
+              <a:t>, </a:t>
+            </a:r>
+            <a:r>
+              <a:rPr lang="en-US" dirty="0"/>
+              <a:t>constants</a:t>
+            </a:r>
+            <a:r>
+              <a:rPr lang="bg-BG" dirty="0"/>
+              <a:t>, </a:t>
+            </a:r>
+            <a:r>
+              <a:rPr lang="en-US" dirty="0"/>
+              <a:t>methods</a:t>
+            </a:r>
+            <a:r>
+              <a:rPr lang="bg-BG" dirty="0"/>
+              <a:t>, </a:t>
+            </a:r>
+            <a:r>
+              <a:rPr lang="en-US" dirty="0"/>
+              <a:t>properties</a:t>
+            </a:r>
+            <a:r>
+              <a:rPr lang="bg-BG" dirty="0" smtClean="0"/>
+              <a:t>,</a:t>
+            </a:r>
+            <a:r>
+              <a:rPr lang="en-US" dirty="0" smtClean="0"/>
+              <a:t> indexers</a:t>
+            </a:r>
+            <a:r>
+              <a:rPr lang="bg-BG" dirty="0"/>
+              <a:t>, </a:t>
+            </a:r>
+            <a:r>
+              <a:rPr lang="en-US" dirty="0"/>
+              <a:t>events</a:t>
+            </a:r>
+            <a:r>
+              <a:rPr lang="bg-BG" dirty="0"/>
+              <a:t>, </a:t>
+            </a:r>
+            <a:r>
+              <a:rPr lang="en-US" dirty="0"/>
+              <a:t>operators</a:t>
+            </a:r>
+            <a:r>
+              <a:rPr lang="bg-BG" dirty="0"/>
+              <a:t>, </a:t>
+            </a:r>
+            <a:r>
+              <a:rPr lang="en-US" dirty="0"/>
+              <a:t>constructors</a:t>
+            </a:r>
+            <a:r>
+              <a:rPr lang="bg-BG" dirty="0"/>
+              <a:t>, </a:t>
+            </a:r>
+            <a:r>
+              <a:rPr lang="en-US" dirty="0"/>
+              <a:t>destructors</a:t>
+            </a:r>
+            <a:endParaRPr lang="bg-BG" dirty="0"/>
+          </a:p>
+          <a:p>
+            <a:pPr lvl="1">
+              <a:lnSpc>
+                <a:spcPct val="100000"/>
+              </a:lnSpc>
+            </a:pPr>
+            <a:r>
+              <a:rPr lang="en-US" dirty="0"/>
+              <a:t>Inner types</a:t>
+            </a:r>
+            <a:r>
+              <a:rPr lang="bg-BG" dirty="0"/>
+              <a:t> (</a:t>
+            </a:r>
+            <a:r>
+              <a:rPr lang="en-US" dirty="0"/>
+              <a:t>inner classes</a:t>
+            </a:r>
+            <a:r>
+              <a:rPr lang="bg-BG" dirty="0"/>
+              <a:t>, </a:t>
+            </a:r>
+            <a:r>
+              <a:rPr lang="en-US" dirty="0"/>
+              <a:t>structures</a:t>
+            </a:r>
+            <a:r>
+              <a:rPr lang="bg-BG" dirty="0" smtClean="0"/>
+              <a:t>,</a:t>
+            </a:r>
+            <a:r>
+              <a:rPr lang="en-US" dirty="0" smtClean="0"/>
+              <a:t> interfaces</a:t>
+            </a:r>
+            <a:r>
+              <a:rPr lang="bg-BG" dirty="0"/>
+              <a:t>, </a:t>
+            </a:r>
+            <a:r>
+              <a:rPr lang="en-US" dirty="0"/>
+              <a:t>delegates</a:t>
+            </a:r>
+            <a:r>
+              <a:rPr lang="bg-BG" dirty="0"/>
+              <a:t>, ...)</a:t>
+            </a:r>
+          </a:p>
+          <a:p>
+            <a:pPr>
+              <a:lnSpc>
+                <a:spcPct val="100000"/>
+              </a:lnSpc>
+            </a:pPr>
+            <a:r>
+              <a:rPr lang="en-US" dirty="0"/>
+              <a:t>Members have modifiers (scope)</a:t>
+            </a:r>
+            <a:endParaRPr lang="bg-BG" dirty="0"/>
+          </a:p>
+          <a:p>
+            <a:pPr lvl="1">
+              <a:lnSpc>
+                <a:spcPct val="100000"/>
+              </a:lnSpc>
+            </a:pPr>
+            <a:r>
+              <a:rPr lang="en-US" dirty="0">
+                <a:solidFill>
+                  <a:schemeClr val="accent5">
+                    <a:lumMod val="20000"/>
+                    <a:lumOff val="80000"/>
+                  </a:schemeClr>
+                </a:solidFill>
+              </a:rPr>
+              <a:t>public</a:t>
+            </a:r>
+            <a:r>
+              <a:rPr lang="en-US" dirty="0"/>
+              <a:t>, </a:t>
+            </a:r>
+            <a:r>
+              <a:rPr lang="en-US" dirty="0">
+                <a:solidFill>
+                  <a:schemeClr val="accent5">
+                    <a:lumMod val="20000"/>
+                    <a:lumOff val="80000"/>
+                  </a:schemeClr>
+                </a:solidFill>
+              </a:rPr>
+              <a:t>private</a:t>
+            </a:r>
+            <a:r>
+              <a:rPr lang="en-US" dirty="0"/>
+              <a:t>, </a:t>
+            </a:r>
+            <a:r>
+              <a:rPr lang="en-US" dirty="0">
+                <a:solidFill>
+                  <a:schemeClr val="accent5">
+                    <a:lumMod val="20000"/>
+                    <a:lumOff val="80000"/>
+                  </a:schemeClr>
+                </a:solidFill>
+              </a:rPr>
+              <a:t>protected</a:t>
+            </a:r>
+            <a:r>
+              <a:rPr lang="en-US" dirty="0"/>
+              <a:t>, </a:t>
+            </a:r>
+            <a:r>
+              <a:rPr lang="en-US" dirty="0">
+                <a:solidFill>
+                  <a:schemeClr val="accent5">
+                    <a:lumMod val="20000"/>
+                    <a:lumOff val="80000"/>
+                  </a:schemeClr>
+                </a:solidFill>
+              </a:rPr>
+              <a:t>internal</a:t>
+            </a:r>
+            <a:endParaRPr lang="bg-BG" dirty="0">
+              <a:solidFill>
+                <a:schemeClr val="accent5">
+                  <a:lumMod val="20000"/>
+                  <a:lumOff val="80000"/>
+                </a:schemeClr>
+              </a:solidFill>
+            </a:endParaRPr>
+          </a:p>
+          <a:p>
+            <a:pPr>
+              <a:lnSpc>
+                <a:spcPct val="100000"/>
+              </a:lnSpc>
+            </a:pPr>
+            <a:r>
+              <a:rPr lang="en-US" dirty="0"/>
+              <a:t>Members can be</a:t>
+            </a:r>
+          </a:p>
+          <a:p>
+            <a:pPr lvl="1">
+              <a:lnSpc>
+                <a:spcPct val="100000"/>
+              </a:lnSpc>
+            </a:pPr>
+            <a:r>
+              <a:rPr lang="en-US" dirty="0">
+                <a:solidFill>
+                  <a:schemeClr val="accent5">
+                    <a:lumMod val="20000"/>
+                    <a:lumOff val="80000"/>
+                  </a:schemeClr>
+                </a:solidFill>
+              </a:rPr>
+              <a:t>static</a:t>
+            </a:r>
+            <a:r>
+              <a:rPr lang="bg-BG" dirty="0"/>
+              <a:t> (</a:t>
+            </a:r>
+            <a:r>
+              <a:rPr lang="en-US" dirty="0"/>
+              <a:t>common</a:t>
+            </a:r>
+            <a:r>
+              <a:rPr lang="bg-BG" dirty="0"/>
+              <a:t>) </a:t>
+            </a:r>
+            <a:r>
+              <a:rPr lang="en-US" dirty="0"/>
+              <a:t>or for a given type</a:t>
+            </a:r>
+            <a:endParaRPr lang="bg-BG" dirty="0"/>
+          </a:p>
+        </p:txBody>
+      </p:sp>
+    </p:spTree>
+  </p:cSld>
+  <p:clrMapOvr>
+    <a:masterClrMapping/>
+  </p:clrMapOvr>
+  <p:transition/>
+  <p:timing>
+    <p:tnLst>
+      <p:par>
+        <p:cTn id="1" dur="indefinite" restart="never" nodeType="tmRoot"/>
+      </p:par>
+    </p:tnLst>
+  </p:timing>
+</p:sld>
+</file>
+
+<file path=ppt/slides/slide90.xml><?xml version="1.0" encoding="utf-8"?>
+<p:sld xmlns:a="http://schemas.openxmlformats.org/drawingml/2006/main" xmlns:r="http://schemas.openxmlformats.org/officeDocument/2006/relationships" xmlns:p="http://schemas.openxmlformats.org/presentationml/2006/main">
+  <p:cSld>
+    <p:spTree>
+      <p:nvGrpSpPr>
+        <p:cNvPr id="1" name=""/>
+        <p:cNvGrpSpPr/>
+        <p:nvPr/>
+      </p:nvGrpSpPr>
+      <p:grpSpPr>
+        <a:xfrm>
+          <a:off x="0" y="0"/>
+          <a:ext cx="0" cy="0"/>
+          <a:chOff x="0" y="0"/>
+          <a:chExt cx="0" cy="0"/>
+        </a:xfrm>
+      </p:grpSpPr>
+      <p:sp>
+        <p:nvSpPr>
+          <p:cNvPr id="594946" name="Rectangle 2"/>
+          <p:cNvSpPr>
+            <a:spLocks noGrp="1" noChangeArrowheads="1"/>
+          </p:cNvSpPr>
+          <p:nvPr>
+            <p:ph type="title"/>
+          </p:nvPr>
+        </p:nvSpPr>
+        <p:spPr>
+          <a:prstGeom prst="rect">
+            <a:avLst/>
+          </a:prstGeom>
+        </p:spPr>
+        <p:txBody>
+          <a:bodyPr anchor="ctr" anchorCtr="0"/>
+          <a:lstStyle/>
+          <a:p>
+            <a:pPr>
+              <a:defRPr/>
+            </a:pPr>
+            <a:r>
+              <a:rPr lang="en-US" dirty="0"/>
+              <a:t>Homework </a:t>
+            </a:r>
+            <a:r>
+              <a:rPr lang="en-US" sz="4000" dirty="0" smtClean="0"/>
+              <a:t>(2)</a:t>
+            </a:r>
+            <a:endParaRPr lang="bg-BG" sz="4000" dirty="0"/>
+          </a:p>
+        </p:txBody>
+      </p:sp>
+      <p:sp>
+        <p:nvSpPr>
+          <p:cNvPr id="594947" name="Rectangle 3"/>
+          <p:cNvSpPr>
+            <a:spLocks noGrp="1" noChangeArrowheads="1"/>
+          </p:cNvSpPr>
+          <p:nvPr>
+            <p:ph idx="1"/>
+          </p:nvPr>
+        </p:nvSpPr>
+        <p:spPr>
+          <a:xfrm>
+            <a:off x="228600" y="990600"/>
+            <a:ext cx="8686800" cy="5715000"/>
+          </a:xfrm>
+          <a:prstGeom prst="rect">
+            <a:avLst/>
+          </a:prstGeom>
+        </p:spPr>
+        <p:txBody>
+          <a:bodyPr/>
+          <a:lstStyle/>
+          <a:p>
+            <a:pPr marL="446088" lvl="1" indent="-446088">
+              <a:lnSpc>
+                <a:spcPct val="100000"/>
+              </a:lnSpc>
+              <a:buClr>
+                <a:schemeClr val="accent5">
+                  <a:lumMod val="40000"/>
+                  <a:lumOff val="60000"/>
+                </a:schemeClr>
+              </a:buClr>
+              <a:buSzPct val="70000"/>
+              <a:buFont typeface="+mj-lt"/>
+              <a:buAutoNum type="arabicPeriod" startAt="2"/>
+            </a:pPr>
+            <a:r>
+              <a:rPr lang="en-US" dirty="0" smtClean="0"/>
+              <a:t>Define class </a:t>
+            </a:r>
+            <a:r>
+              <a:rPr lang="en-US" dirty="0" smtClean="0">
+                <a:solidFill>
+                  <a:schemeClr val="accent5">
+                    <a:lumMod val="20000"/>
+                    <a:lumOff val="80000"/>
+                  </a:schemeClr>
+                </a:solidFill>
+                <a:latin typeface="Consolas" pitchFamily="49" charset="0"/>
+                <a:cs typeface="Consolas" pitchFamily="49" charset="0"/>
+              </a:rPr>
+              <a:t>Human</a:t>
+            </a:r>
+            <a:r>
+              <a:rPr lang="en-US" dirty="0" smtClean="0"/>
+              <a:t> with first name and last name. Define new class </a:t>
+            </a:r>
+            <a:r>
+              <a:rPr lang="en-US" dirty="0" smtClean="0">
+                <a:solidFill>
+                  <a:schemeClr val="accent5">
+                    <a:lumMod val="20000"/>
+                    <a:lumOff val="80000"/>
+                  </a:schemeClr>
+                </a:solidFill>
+                <a:latin typeface="Consolas" pitchFamily="49" charset="0"/>
+                <a:cs typeface="Consolas" pitchFamily="49" charset="0"/>
+              </a:rPr>
+              <a:t>Student</a:t>
+            </a:r>
+            <a:r>
+              <a:rPr lang="en-US" dirty="0" smtClean="0"/>
+              <a:t> which is derived from </a:t>
+            </a:r>
+            <a:r>
+              <a:rPr lang="en-US" dirty="0" smtClean="0">
+                <a:solidFill>
+                  <a:schemeClr val="accent5">
+                    <a:lumMod val="20000"/>
+                    <a:lumOff val="80000"/>
+                  </a:schemeClr>
+                </a:solidFill>
+                <a:latin typeface="Consolas" pitchFamily="49" charset="0"/>
+                <a:cs typeface="Consolas" pitchFamily="49" charset="0"/>
+              </a:rPr>
+              <a:t>Human</a:t>
+            </a:r>
+            <a:r>
+              <a:rPr lang="en-US" dirty="0" smtClean="0"/>
+              <a:t> and has new field – </a:t>
+            </a:r>
+            <a:r>
+              <a:rPr lang="en-US" dirty="0" smtClean="0">
+                <a:solidFill>
+                  <a:schemeClr val="accent5">
+                    <a:lumMod val="20000"/>
+                    <a:lumOff val="80000"/>
+                  </a:schemeClr>
+                </a:solidFill>
+                <a:latin typeface="Consolas" pitchFamily="49" charset="0"/>
+                <a:cs typeface="Consolas" pitchFamily="49" charset="0"/>
+              </a:rPr>
+              <a:t>grade</a:t>
+            </a:r>
+            <a:r>
+              <a:rPr lang="en-US" dirty="0" smtClean="0"/>
+              <a:t>. Define class </a:t>
+            </a:r>
+            <a:r>
+              <a:rPr lang="en-US" dirty="0" smtClean="0">
+                <a:solidFill>
+                  <a:schemeClr val="accent5">
+                    <a:lumMod val="20000"/>
+                    <a:lumOff val="80000"/>
+                  </a:schemeClr>
+                </a:solidFill>
+                <a:latin typeface="Consolas" pitchFamily="49" charset="0"/>
+                <a:cs typeface="Consolas" pitchFamily="49" charset="0"/>
+              </a:rPr>
+              <a:t>Worker</a:t>
+            </a:r>
+            <a:r>
+              <a:rPr lang="en-US" dirty="0" smtClean="0"/>
+              <a:t> derived from </a:t>
+            </a:r>
+            <a:r>
+              <a:rPr lang="en-US" dirty="0" smtClean="0">
+                <a:solidFill>
+                  <a:schemeClr val="accent5">
+                    <a:lumMod val="20000"/>
+                    <a:lumOff val="80000"/>
+                  </a:schemeClr>
+                </a:solidFill>
+                <a:latin typeface="Consolas" pitchFamily="49" charset="0"/>
+                <a:cs typeface="Consolas" pitchFamily="49" charset="0"/>
+              </a:rPr>
+              <a:t>Human</a:t>
+            </a:r>
+            <a:r>
+              <a:rPr lang="en-US" dirty="0" smtClean="0"/>
+              <a:t> with new field </a:t>
+            </a:r>
+            <a:r>
+              <a:rPr lang="en-US" noProof="1" smtClean="0">
+                <a:solidFill>
+                  <a:schemeClr val="accent5">
+                    <a:lumMod val="20000"/>
+                    <a:lumOff val="80000"/>
+                  </a:schemeClr>
+                </a:solidFill>
+                <a:latin typeface="Consolas" pitchFamily="49" charset="0"/>
+                <a:cs typeface="Consolas" pitchFamily="49" charset="0"/>
+              </a:rPr>
+              <a:t>weekSalary</a:t>
+            </a:r>
+            <a:r>
+              <a:rPr lang="en-US" dirty="0" smtClean="0"/>
+              <a:t> and work-hours per day and method </a:t>
+            </a:r>
+            <a:r>
+              <a:rPr lang="en-US" noProof="1" smtClean="0">
+                <a:solidFill>
+                  <a:schemeClr val="accent5">
+                    <a:lumMod val="20000"/>
+                    <a:lumOff val="80000"/>
+                  </a:schemeClr>
+                </a:solidFill>
+                <a:latin typeface="Consolas" pitchFamily="49" charset="0"/>
+                <a:cs typeface="Consolas" pitchFamily="49" charset="0"/>
+              </a:rPr>
+              <a:t>MoneyPerHour</a:t>
+            </a:r>
+            <a:r>
+              <a:rPr lang="en-US" dirty="0" smtClean="0">
+                <a:solidFill>
+                  <a:schemeClr val="accent5">
+                    <a:lumMod val="20000"/>
+                    <a:lumOff val="80000"/>
+                  </a:schemeClr>
+                </a:solidFill>
+                <a:latin typeface="Consolas" pitchFamily="49" charset="0"/>
+                <a:cs typeface="Consolas" pitchFamily="49" charset="0"/>
+              </a:rPr>
+              <a:t>()</a:t>
+            </a:r>
+            <a:r>
+              <a:rPr lang="en-US" dirty="0" smtClean="0"/>
+              <a:t> that returns money earned by hour by the worker. Define the proper constructors and properties for this hierarchy. Initialize an array of 10 students and sort them by grade in ascending order. Initialize an array of 10 workers and sort them by money per hour in descending order.</a:t>
+            </a:r>
+            <a:endParaRPr lang="en-US" dirty="0">
+              <a:solidFill>
+                <a:srgbClr val="EBFFD2"/>
+              </a:solidFill>
+            </a:endParaRPr>
+          </a:p>
+        </p:txBody>
+      </p:sp>
+      <p:sp>
+        <p:nvSpPr>
+          <p:cNvPr id="4" name="Slide Number Placeholder 3"/>
+          <p:cNvSpPr txBox="1">
+            <a:spLocks/>
+          </p:cNvSpPr>
+          <p:nvPr/>
+        </p:nvSpPr>
+        <p:spPr>
+          <a:xfrm>
+            <a:off x="8610600" y="6553200"/>
+            <a:ext cx="457200" cy="228600"/>
+          </a:xfrm>
+          <a:prstGeom prst="rect">
+            <a:avLst/>
+          </a:prstGeom>
+        </p:spPr>
+        <p:txBody>
+          <a:bodyPr/>
+          <a:lstStyle/>
+          <a:p>
+            <a:pPr marL="0" marR="0" lvl="0" indent="0" algn="r" defTabSz="914400" eaLnBrk="1" latinLnBrk="0" hangingPunct="1">
+              <a:lnSpc>
+                <a:spcPct val="100000"/>
+              </a:lnSpc>
+              <a:buClrTx/>
+              <a:buSzTx/>
+              <a:buFontTx/>
+              <a:buNone/>
+              <a:tabLst/>
+              <a:defRPr/>
+            </a:pPr>
+            <a:fld id="{58452FF4-89E3-4D1B-9927-2DBDC00E58D7}" type="slidenum">
+              <a:rPr lang="en-US" sz="1100" smtClean="0"/>
+              <a:pPr marL="0" marR="0" lvl="0" indent="0" algn="r" defTabSz="914400" eaLnBrk="1" latinLnBrk="0" hangingPunct="1">
+                <a:lnSpc>
+                  <a:spcPct val="100000"/>
+                </a:lnSpc>
+                <a:buClrTx/>
+                <a:buSzTx/>
+                <a:buFontTx/>
+                <a:buNone/>
+                <a:tabLst/>
+                <a:defRPr/>
+              </a:pPr>
+              <a:t>90</a:t>
+            </a:fld>
+            <a:endParaRPr lang="en-US" sz="1100" dirty="0"/>
+          </a:p>
+        </p:txBody>
+      </p:sp>
+    </p:spTree>
+    <p:extLst>
+      <p:ext uri="{BB962C8B-B14F-4D97-AF65-F5344CB8AC3E}">
+        <p14:creationId xmlns:p14="http://schemas.microsoft.com/office/powerpoint/2010/main" val="113379218"/>
+      </p:ext>
+    </p:extLst>
+  </p:cSld>
+  <p:clrMapOvr>
+    <a:masterClrMapping/>
+  </p:clrMapOvr>
+  <p:transition/>
+  <p:timing>
+    <p:tnLst>
+      <p:par>
+        <p:cTn id="1" dur="indefinite" restart="never" nodeType="tmRoot"/>
+      </p:par>
+    </p:tnLst>
+  </p:timing>
+</p:sld>
+</file>
+
+<file path=ppt/slides/slide91.xml><?xml version="1.0" encoding="utf-8"?>
+<p:sld xmlns:a="http://schemas.openxmlformats.org/drawingml/2006/main" xmlns:r="http://schemas.openxmlformats.org/officeDocument/2006/relationships" xmlns:p="http://schemas.openxmlformats.org/presentationml/2006/main">
+  <p:cSld>
+    <p:spTree>
+      <p:nvGrpSpPr>
+        <p:cNvPr id="1" name=""/>
+        <p:cNvGrpSpPr/>
+        <p:nvPr/>
+      </p:nvGrpSpPr>
+      <p:grpSpPr>
+        <a:xfrm>
+          <a:off x="0" y="0"/>
+          <a:ext cx="0" cy="0"/>
+          <a:chOff x="0" y="0"/>
+          <a:chExt cx="0" cy="0"/>
+        </a:xfrm>
+      </p:grpSpPr>
+      <p:sp>
+        <p:nvSpPr>
+          <p:cNvPr id="594946" name="Rectangle 2"/>
+          <p:cNvSpPr>
+            <a:spLocks noGrp="1" noChangeArrowheads="1"/>
+          </p:cNvSpPr>
+          <p:nvPr>
+            <p:ph type="title"/>
+          </p:nvPr>
+        </p:nvSpPr>
+        <p:spPr>
+          <a:prstGeom prst="rect">
+            <a:avLst/>
+          </a:prstGeom>
+        </p:spPr>
+        <p:txBody>
+          <a:bodyPr anchor="ctr" anchorCtr="0"/>
+          <a:lstStyle/>
+          <a:p>
+            <a:pPr>
+              <a:defRPr/>
+            </a:pPr>
+            <a:r>
+              <a:rPr lang="en-US" dirty="0"/>
+              <a:t>Homework </a:t>
+            </a:r>
+            <a:r>
+              <a:rPr lang="en-US" dirty="0" smtClean="0"/>
+              <a:t>(3)</a:t>
+            </a:r>
+            <a:endParaRPr lang="bg-BG" sz="4000" dirty="0"/>
+          </a:p>
+        </p:txBody>
+      </p:sp>
+      <p:sp>
+        <p:nvSpPr>
+          <p:cNvPr id="594947" name="Rectangle 3"/>
+          <p:cNvSpPr>
+            <a:spLocks noGrp="1" noChangeArrowheads="1"/>
+          </p:cNvSpPr>
+          <p:nvPr>
+            <p:ph idx="1"/>
+          </p:nvPr>
+        </p:nvSpPr>
+        <p:spPr>
+          <a:xfrm>
+            <a:off x="228600" y="990600"/>
+            <a:ext cx="8763000" cy="5715000"/>
+          </a:xfrm>
+          <a:prstGeom prst="rect">
+            <a:avLst/>
+          </a:prstGeom>
+        </p:spPr>
+        <p:txBody>
+          <a:bodyPr/>
+          <a:lstStyle/>
+          <a:p>
+            <a:pPr marL="446088" indent="-446088">
+              <a:lnSpc>
+                <a:spcPct val="100000"/>
+              </a:lnSpc>
+              <a:buFont typeface="+mj-lt"/>
+              <a:buAutoNum type="arabicPeriod" startAt="3"/>
+              <a:tabLst/>
+            </a:pPr>
+            <a:r>
+              <a:rPr lang="en-US" sz="2800" dirty="0" smtClean="0"/>
+              <a:t>Define abstract class </a:t>
+            </a:r>
+            <a:r>
+              <a:rPr lang="en-US" sz="2800" dirty="0" smtClean="0">
+                <a:solidFill>
+                  <a:schemeClr val="accent5">
+                    <a:lumMod val="20000"/>
+                    <a:lumOff val="80000"/>
+                  </a:schemeClr>
+                </a:solidFill>
+                <a:latin typeface="Consolas" pitchFamily="49" charset="0"/>
+                <a:cs typeface="Consolas" pitchFamily="49" charset="0"/>
+              </a:rPr>
+              <a:t>Shape</a:t>
+            </a:r>
+            <a:r>
+              <a:rPr lang="en-US" sz="2800" dirty="0" smtClean="0"/>
+              <a:t> with only one abstract method </a:t>
+            </a:r>
+            <a:r>
+              <a:rPr lang="en-US" sz="2800" noProof="1" smtClean="0">
+                <a:solidFill>
+                  <a:schemeClr val="accent5">
+                    <a:lumMod val="20000"/>
+                    <a:lumOff val="80000"/>
+                  </a:schemeClr>
+                </a:solidFill>
+                <a:latin typeface="Consolas" pitchFamily="49" charset="0"/>
+                <a:cs typeface="Consolas" pitchFamily="49" charset="0"/>
+              </a:rPr>
+              <a:t>CalculateSurface()</a:t>
+            </a:r>
+            <a:r>
+              <a:rPr lang="en-US" sz="2800" dirty="0" smtClean="0"/>
+              <a:t> and fields </a:t>
+            </a:r>
+            <a:r>
+              <a:rPr lang="en-US" sz="2800" dirty="0" smtClean="0">
+                <a:solidFill>
+                  <a:schemeClr val="accent5">
+                    <a:lumMod val="20000"/>
+                    <a:lumOff val="80000"/>
+                  </a:schemeClr>
+                </a:solidFill>
+                <a:latin typeface="Consolas" pitchFamily="49" charset="0"/>
+                <a:cs typeface="Consolas" pitchFamily="49" charset="0"/>
+              </a:rPr>
+              <a:t>width</a:t>
+            </a:r>
+            <a:r>
+              <a:rPr lang="en-US" sz="2800" dirty="0" smtClean="0"/>
+              <a:t> and </a:t>
+            </a:r>
+            <a:r>
+              <a:rPr lang="en-US" sz="2800" dirty="0" smtClean="0">
+                <a:solidFill>
+                  <a:schemeClr val="accent5">
+                    <a:lumMod val="20000"/>
+                    <a:lumOff val="80000"/>
+                  </a:schemeClr>
+                </a:solidFill>
+                <a:latin typeface="Consolas" pitchFamily="49" charset="0"/>
+                <a:cs typeface="Consolas" pitchFamily="49" charset="0"/>
+              </a:rPr>
+              <a:t>height</a:t>
+            </a:r>
+            <a:r>
+              <a:rPr lang="en-US" sz="2800" dirty="0" smtClean="0"/>
+              <a:t>. Define two new classes </a:t>
+            </a:r>
+            <a:r>
+              <a:rPr lang="en-US" sz="2800" dirty="0" smtClean="0">
+                <a:solidFill>
+                  <a:schemeClr val="accent5">
+                    <a:lumMod val="20000"/>
+                    <a:lumOff val="80000"/>
+                  </a:schemeClr>
+                </a:solidFill>
+                <a:latin typeface="Consolas" pitchFamily="49" charset="0"/>
+                <a:cs typeface="Consolas" pitchFamily="49" charset="0"/>
+              </a:rPr>
+              <a:t>Triangle</a:t>
+            </a:r>
+            <a:r>
+              <a:rPr lang="en-US" sz="2800" dirty="0" smtClean="0"/>
+              <a:t> and </a:t>
+            </a:r>
+            <a:r>
+              <a:rPr lang="en-US" sz="2800" dirty="0" smtClean="0">
+                <a:solidFill>
+                  <a:schemeClr val="accent5">
+                    <a:lumMod val="20000"/>
+                    <a:lumOff val="80000"/>
+                  </a:schemeClr>
+                </a:solidFill>
+                <a:latin typeface="Consolas" pitchFamily="49" charset="0"/>
+                <a:cs typeface="Consolas" pitchFamily="49" charset="0"/>
+              </a:rPr>
+              <a:t>Rectangle</a:t>
+            </a:r>
+            <a:r>
+              <a:rPr lang="en-US" sz="2800" dirty="0" smtClean="0"/>
+              <a:t> that implement the </a:t>
+            </a:r>
+            <a:r>
+              <a:rPr lang="en-US" sz="2800" dirty="0" smtClean="0">
+                <a:solidFill>
+                  <a:schemeClr val="accent5">
+                    <a:lumMod val="20000"/>
+                    <a:lumOff val="80000"/>
+                  </a:schemeClr>
+                </a:solidFill>
+                <a:latin typeface="Consolas" pitchFamily="49" charset="0"/>
+                <a:cs typeface="Consolas" pitchFamily="49" charset="0"/>
+              </a:rPr>
+              <a:t>virtual</a:t>
+            </a:r>
+            <a:r>
+              <a:rPr lang="en-US" sz="2800" dirty="0" smtClean="0"/>
+              <a:t> method and return the surface of the figure (height*width for rectangle and height*width/2 for triangle). Define class </a:t>
+            </a:r>
+            <a:r>
+              <a:rPr lang="en-US" sz="2800" dirty="0" smtClean="0">
+                <a:solidFill>
+                  <a:schemeClr val="accent5">
+                    <a:lumMod val="20000"/>
+                    <a:lumOff val="80000"/>
+                  </a:schemeClr>
+                </a:solidFill>
+                <a:latin typeface="Consolas" pitchFamily="49" charset="0"/>
+                <a:cs typeface="Consolas" pitchFamily="49" charset="0"/>
+              </a:rPr>
+              <a:t>Circle</a:t>
+            </a:r>
+            <a:r>
+              <a:rPr lang="en-US" sz="2800" dirty="0" smtClean="0"/>
+              <a:t> and suitable constructor so that on initialization </a:t>
+            </a:r>
+            <a:r>
+              <a:rPr lang="en-US" sz="2800" dirty="0" smtClean="0">
+                <a:solidFill>
+                  <a:schemeClr val="accent5">
+                    <a:lumMod val="20000"/>
+                    <a:lumOff val="80000"/>
+                  </a:schemeClr>
+                </a:solidFill>
+                <a:latin typeface="Consolas" pitchFamily="49" charset="0"/>
+                <a:cs typeface="Consolas" pitchFamily="49" charset="0"/>
+              </a:rPr>
+              <a:t>height</a:t>
+            </a:r>
+            <a:r>
+              <a:rPr lang="en-US" sz="2800" dirty="0" smtClean="0"/>
+              <a:t> must be kept equal to </a:t>
+            </a:r>
+            <a:r>
+              <a:rPr lang="en-US" sz="2800" dirty="0" smtClean="0">
+                <a:solidFill>
+                  <a:schemeClr val="accent5">
+                    <a:lumMod val="20000"/>
+                    <a:lumOff val="80000"/>
+                  </a:schemeClr>
+                </a:solidFill>
+                <a:latin typeface="Consolas" pitchFamily="49" charset="0"/>
+                <a:cs typeface="Consolas" pitchFamily="49" charset="0"/>
+              </a:rPr>
+              <a:t>width</a:t>
+            </a:r>
+            <a:r>
+              <a:rPr lang="en-US" sz="2800" dirty="0" smtClean="0"/>
+              <a:t> and implement the </a:t>
+            </a:r>
+            <a:r>
+              <a:rPr lang="en-US" sz="2800" noProof="1" smtClean="0">
+                <a:solidFill>
+                  <a:schemeClr val="accent5">
+                    <a:lumMod val="20000"/>
+                    <a:lumOff val="80000"/>
+                  </a:schemeClr>
+                </a:solidFill>
+                <a:latin typeface="Consolas" pitchFamily="49" charset="0"/>
+                <a:cs typeface="Consolas" pitchFamily="49" charset="0"/>
+              </a:rPr>
+              <a:t>CalculateSurface()</a:t>
+            </a:r>
+            <a:r>
+              <a:rPr lang="en-US" sz="2800" dirty="0" smtClean="0"/>
+              <a:t> method. Write a program that tests the behavior of  the </a:t>
+            </a:r>
+            <a:r>
+              <a:rPr lang="en-US" sz="2800" noProof="1" smtClean="0">
+                <a:solidFill>
+                  <a:schemeClr val="accent5">
+                    <a:lumMod val="20000"/>
+                    <a:lumOff val="80000"/>
+                  </a:schemeClr>
+                </a:solidFill>
+                <a:latin typeface="Consolas" pitchFamily="49" charset="0"/>
+                <a:cs typeface="Consolas" pitchFamily="49" charset="0"/>
+              </a:rPr>
+              <a:t>CalculateSurface(</a:t>
+            </a:r>
+            <a:r>
+              <a:rPr lang="en-US" sz="2800" dirty="0" smtClean="0">
+                <a:solidFill>
+                  <a:schemeClr val="accent5">
+                    <a:lumMod val="20000"/>
+                    <a:lumOff val="80000"/>
+                  </a:schemeClr>
+                </a:solidFill>
+                <a:latin typeface="Consolas" pitchFamily="49" charset="0"/>
+                <a:cs typeface="Consolas" pitchFamily="49" charset="0"/>
+              </a:rPr>
+              <a:t>)</a:t>
+            </a:r>
+            <a:r>
+              <a:rPr lang="en-US" sz="2800" dirty="0" smtClean="0"/>
+              <a:t> method for different shapes</a:t>
+            </a:r>
+            <a:r>
+              <a:rPr lang="bg-BG" sz="2800" dirty="0" smtClean="0"/>
+              <a:t> </a:t>
+            </a:r>
+            <a:r>
+              <a:rPr lang="en-US" sz="2800" dirty="0" smtClean="0"/>
+              <a:t>(</a:t>
+            </a:r>
+            <a:r>
+              <a:rPr lang="en-US" sz="2800" dirty="0" smtClean="0">
+                <a:solidFill>
+                  <a:schemeClr val="accent5">
+                    <a:lumMod val="20000"/>
+                    <a:lumOff val="80000"/>
+                  </a:schemeClr>
+                </a:solidFill>
+                <a:latin typeface="Consolas" pitchFamily="49" charset="0"/>
+                <a:cs typeface="Consolas" pitchFamily="49" charset="0"/>
+              </a:rPr>
+              <a:t>Circle</a:t>
+            </a:r>
+            <a:r>
+              <a:rPr lang="en-US" sz="2800" dirty="0" smtClean="0"/>
+              <a:t>, </a:t>
+            </a:r>
+            <a:r>
+              <a:rPr lang="en-US" sz="2800" dirty="0" smtClean="0">
+                <a:solidFill>
+                  <a:schemeClr val="accent5">
+                    <a:lumMod val="20000"/>
+                    <a:lumOff val="80000"/>
+                  </a:schemeClr>
+                </a:solidFill>
+                <a:latin typeface="Consolas" pitchFamily="49" charset="0"/>
+                <a:cs typeface="Consolas" pitchFamily="49" charset="0"/>
+              </a:rPr>
+              <a:t>Rectangle</a:t>
+            </a:r>
+            <a:r>
+              <a:rPr lang="en-US" sz="2800" dirty="0" smtClean="0"/>
+              <a:t>, </a:t>
+            </a:r>
+            <a:r>
+              <a:rPr lang="en-US" sz="2800" dirty="0" smtClean="0">
+                <a:solidFill>
+                  <a:schemeClr val="accent5">
+                    <a:lumMod val="20000"/>
+                    <a:lumOff val="80000"/>
+                  </a:schemeClr>
+                </a:solidFill>
+                <a:latin typeface="Consolas" pitchFamily="49" charset="0"/>
+                <a:cs typeface="Consolas" pitchFamily="49" charset="0"/>
+              </a:rPr>
+              <a:t>Triangle</a:t>
+            </a:r>
+            <a:r>
+              <a:rPr lang="en-US" sz="2800" dirty="0" smtClean="0"/>
+              <a:t>) stored in an array.</a:t>
+            </a:r>
+            <a:endParaRPr lang="en-US" sz="2800" dirty="0">
+              <a:solidFill>
+                <a:srgbClr val="EBFFD2"/>
+              </a:solidFill>
+            </a:endParaRPr>
+          </a:p>
+        </p:txBody>
+      </p:sp>
+      <p:sp>
+        <p:nvSpPr>
+          <p:cNvPr id="4" name="Slide Number Placeholder 3"/>
+          <p:cNvSpPr txBox="1">
+            <a:spLocks/>
+          </p:cNvSpPr>
+          <p:nvPr/>
+        </p:nvSpPr>
+        <p:spPr>
+          <a:xfrm>
+            <a:off x="8610600" y="6553200"/>
+            <a:ext cx="457200" cy="228600"/>
+          </a:xfrm>
+          <a:prstGeom prst="rect">
+            <a:avLst/>
+          </a:prstGeom>
+        </p:spPr>
+        <p:txBody>
+          <a:bodyPr/>
+          <a:lstStyle/>
+          <a:p>
+            <a:pPr marL="0" marR="0" lvl="0" indent="0" algn="r" defTabSz="914400" eaLnBrk="1" latinLnBrk="0" hangingPunct="1">
+              <a:lnSpc>
+                <a:spcPct val="100000"/>
+              </a:lnSpc>
+              <a:buClrTx/>
+              <a:buSzTx/>
+              <a:buFontTx/>
+              <a:buNone/>
+              <a:tabLst/>
+              <a:defRPr/>
+            </a:pPr>
+            <a:fld id="{58452FF4-89E3-4D1B-9927-2DBDC00E58D7}" type="slidenum">
+              <a:rPr lang="en-US" sz="1100" smtClean="0"/>
+              <a:pPr marL="0" marR="0" lvl="0" indent="0" algn="r" defTabSz="914400" eaLnBrk="1" latinLnBrk="0" hangingPunct="1">
+                <a:lnSpc>
+                  <a:spcPct val="100000"/>
+                </a:lnSpc>
+                <a:buClrTx/>
+                <a:buSzTx/>
+                <a:buFontTx/>
+                <a:buNone/>
+                <a:tabLst/>
+                <a:defRPr/>
+              </a:pPr>
+              <a:t>91</a:t>
+            </a:fld>
+            <a:endParaRPr lang="en-US" sz="1100" dirty="0"/>
+          </a:p>
+        </p:txBody>
+      </p:sp>
+    </p:spTree>
+    <p:extLst>
+      <p:ext uri="{BB962C8B-B14F-4D97-AF65-F5344CB8AC3E}">
+        <p14:creationId xmlns:p14="http://schemas.microsoft.com/office/powerpoint/2010/main" val="1282656221"/>
+      </p:ext>
+    </p:extLst>
+  </p:cSld>
+  <p:clrMapOvr>
+    <a:masterClrMapping/>
+  </p:clrMapOvr>
+  <p:transition/>
+  <p:timing>
+    <p:tnLst>
+      <p:par>
+        <p:cTn id="1" dur="indefinite" restart="never" nodeType="tmRoot"/>
+      </p:par>
+    </p:tnLst>
+  </p:timing>
+</p:sld>
+</file>
+
+<file path=ppt/slides/slide92.xml><?xml version="1.0" encoding="utf-8"?>
+<p:sld xmlns:a="http://schemas.openxmlformats.org/drawingml/2006/main" xmlns:r="http://schemas.openxmlformats.org/officeDocument/2006/relationships" xmlns:p="http://schemas.openxmlformats.org/presentationml/2006/main">
+  <p:cSld>
+    <p:spTree>
+      <p:nvGrpSpPr>
+        <p:cNvPr id="1" name=""/>
+        <p:cNvGrpSpPr/>
+        <p:nvPr/>
+      </p:nvGrpSpPr>
+      <p:grpSpPr>
+        <a:xfrm>
+          <a:off x="0" y="0"/>
+          <a:ext cx="0" cy="0"/>
+          <a:chOff x="0" y="0"/>
+          <a:chExt cx="0" cy="0"/>
+        </a:xfrm>
+      </p:grpSpPr>
+      <p:sp>
+        <p:nvSpPr>
+          <p:cNvPr id="594946" name="Rectangle 2"/>
+          <p:cNvSpPr>
+            <a:spLocks noGrp="1" noChangeArrowheads="1"/>
+          </p:cNvSpPr>
+          <p:nvPr>
+            <p:ph type="title"/>
+          </p:nvPr>
+        </p:nvSpPr>
+        <p:spPr>
+          <a:prstGeom prst="rect">
+            <a:avLst/>
+          </a:prstGeom>
+        </p:spPr>
+        <p:txBody>
+          <a:bodyPr anchor="ctr" anchorCtr="0"/>
+          <a:lstStyle/>
+          <a:p>
+            <a:pPr>
+              <a:defRPr/>
+            </a:pPr>
+            <a:r>
+              <a:rPr lang="en-US" dirty="0"/>
+              <a:t>Homework </a:t>
+            </a:r>
+            <a:r>
+              <a:rPr lang="en-US" dirty="0" smtClean="0"/>
+              <a:t>(4)</a:t>
+            </a:r>
+            <a:endParaRPr lang="bg-BG" sz="4000" dirty="0"/>
+          </a:p>
+        </p:txBody>
+      </p:sp>
+      <p:sp>
+        <p:nvSpPr>
+          <p:cNvPr id="594947" name="Rectangle 3"/>
+          <p:cNvSpPr>
+            <a:spLocks noGrp="1" noChangeArrowheads="1"/>
+          </p:cNvSpPr>
+          <p:nvPr>
+            <p:ph idx="1"/>
+          </p:nvPr>
+        </p:nvSpPr>
+        <p:spPr>
+          <a:xfrm>
+            <a:off x="228600" y="990600"/>
+            <a:ext cx="8686800" cy="5715000"/>
+          </a:xfrm>
+          <a:prstGeom prst="rect">
+            <a:avLst/>
+          </a:prstGeom>
+        </p:spPr>
+        <p:txBody>
+          <a:bodyPr/>
+          <a:lstStyle/>
+          <a:p>
+            <a:pPr marL="446088" indent="-446088">
+              <a:lnSpc>
+                <a:spcPct val="100000"/>
+              </a:lnSpc>
+              <a:buFont typeface="+mj-lt"/>
+              <a:buAutoNum type="arabicPeriod" startAt="4"/>
+              <a:tabLst/>
+            </a:pPr>
+            <a:r>
+              <a:rPr lang="en-US" sz="3000" dirty="0" smtClean="0"/>
+              <a:t>Create a hierarchy </a:t>
+            </a:r>
+            <a:r>
+              <a:rPr lang="en-US" sz="3000" dirty="0" smtClean="0">
+                <a:solidFill>
+                  <a:schemeClr val="accent5">
+                    <a:lumMod val="20000"/>
+                    <a:lumOff val="80000"/>
+                  </a:schemeClr>
+                </a:solidFill>
+                <a:latin typeface="Consolas" pitchFamily="49" charset="0"/>
+                <a:cs typeface="Consolas" pitchFamily="49" charset="0"/>
+              </a:rPr>
+              <a:t>Dog</a:t>
+            </a:r>
+            <a:r>
+              <a:rPr lang="en-US" sz="3000" dirty="0" smtClean="0"/>
+              <a:t>, </a:t>
+            </a:r>
+            <a:r>
+              <a:rPr lang="en-US" sz="3000" dirty="0" smtClean="0">
+                <a:solidFill>
+                  <a:schemeClr val="accent5">
+                    <a:lumMod val="20000"/>
+                    <a:lumOff val="80000"/>
+                  </a:schemeClr>
+                </a:solidFill>
+                <a:latin typeface="Consolas" pitchFamily="49" charset="0"/>
+                <a:cs typeface="Consolas" pitchFamily="49" charset="0"/>
+              </a:rPr>
+              <a:t>Frog</a:t>
+            </a:r>
+            <a:r>
+              <a:rPr lang="en-US" sz="3000" dirty="0" smtClean="0"/>
+              <a:t>, </a:t>
+            </a:r>
+            <a:r>
+              <a:rPr lang="en-US" sz="3000" dirty="0" smtClean="0">
+                <a:solidFill>
+                  <a:schemeClr val="accent5">
+                    <a:lumMod val="20000"/>
+                    <a:lumOff val="80000"/>
+                  </a:schemeClr>
+                </a:solidFill>
+                <a:latin typeface="Consolas" pitchFamily="49" charset="0"/>
+                <a:cs typeface="Consolas" pitchFamily="49" charset="0"/>
+              </a:rPr>
+              <a:t>Cat</a:t>
+            </a:r>
+            <a:r>
+              <a:rPr lang="en-US" sz="3000" dirty="0" smtClean="0"/>
+              <a:t>, </a:t>
+            </a:r>
+            <a:r>
+              <a:rPr lang="en-US" sz="3000" dirty="0" smtClean="0">
+                <a:solidFill>
+                  <a:schemeClr val="accent5">
+                    <a:lumMod val="20000"/>
+                    <a:lumOff val="80000"/>
+                  </a:schemeClr>
+                </a:solidFill>
+                <a:latin typeface="Consolas" pitchFamily="49" charset="0"/>
+                <a:cs typeface="Consolas" pitchFamily="49" charset="0"/>
+              </a:rPr>
+              <a:t>Kitten</a:t>
+            </a:r>
+            <a:r>
+              <a:rPr lang="en-US" sz="3000" dirty="0" smtClean="0"/>
+              <a:t>, </a:t>
+            </a:r>
+            <a:r>
+              <a:rPr lang="en-US" sz="3000" dirty="0" smtClean="0">
+                <a:solidFill>
+                  <a:schemeClr val="accent5">
+                    <a:lumMod val="20000"/>
+                    <a:lumOff val="80000"/>
+                  </a:schemeClr>
+                </a:solidFill>
+                <a:latin typeface="Consolas" pitchFamily="49" charset="0"/>
+                <a:cs typeface="Consolas" pitchFamily="49" charset="0"/>
+              </a:rPr>
+              <a:t>Tomcat</a:t>
+            </a:r>
+            <a:r>
+              <a:rPr lang="en-US" sz="3000" dirty="0" smtClean="0"/>
+              <a:t> and define suitable constructors and methods according to the following rules: all of this are Animals. Kittens and tomcats are cats. All animals are described by age, name and sex. Kittens can be only female and tomcats can be only male. Each animal produce a sound. Create arrays of different kinds of animals and calculate the average age of each kind of animal using static methods. Create static method in the animal class that identifies the animal by its sound.</a:t>
+            </a:r>
+            <a:endParaRPr lang="en-US" sz="3000" dirty="0">
+              <a:solidFill>
+                <a:srgbClr val="EBFFD2"/>
+              </a:solidFill>
+            </a:endParaRPr>
+          </a:p>
+        </p:txBody>
+      </p:sp>
+      <p:sp>
+        <p:nvSpPr>
+          <p:cNvPr id="4" name="Slide Number Placeholder 3"/>
+          <p:cNvSpPr txBox="1">
+            <a:spLocks/>
+          </p:cNvSpPr>
+          <p:nvPr/>
+        </p:nvSpPr>
+        <p:spPr>
+          <a:xfrm>
+            <a:off x="8610600" y="6553200"/>
+            <a:ext cx="457200" cy="228600"/>
+          </a:xfrm>
+          <a:prstGeom prst="rect">
+            <a:avLst/>
+          </a:prstGeom>
+        </p:spPr>
+        <p:txBody>
+          <a:bodyPr/>
+          <a:lstStyle/>
+          <a:p>
+            <a:pPr marL="0" marR="0" lvl="0" indent="0" algn="r" defTabSz="914400" eaLnBrk="1" latinLnBrk="0" hangingPunct="1">
+              <a:lnSpc>
+                <a:spcPct val="100000"/>
+              </a:lnSpc>
+              <a:buClrTx/>
+              <a:buSzTx/>
+              <a:buFontTx/>
+              <a:buNone/>
+              <a:tabLst/>
+              <a:defRPr/>
+            </a:pPr>
+            <a:fld id="{58452FF4-89E3-4D1B-9927-2DBDC00E58D7}" type="slidenum">
+              <a:rPr lang="en-US" sz="1100" smtClean="0"/>
+              <a:pPr marL="0" marR="0" lvl="0" indent="0" algn="r" defTabSz="914400" eaLnBrk="1" latinLnBrk="0" hangingPunct="1">
+                <a:lnSpc>
+                  <a:spcPct val="100000"/>
+                </a:lnSpc>
+                <a:buClrTx/>
+                <a:buSzTx/>
+                <a:buFontTx/>
+                <a:buNone/>
+                <a:tabLst/>
+                <a:defRPr/>
+              </a:pPr>
+              <a:t>92</a:t>
+            </a:fld>
+            <a:endParaRPr lang="en-US" sz="1100" dirty="0"/>
+          </a:p>
+        </p:txBody>
+      </p:sp>
+    </p:spTree>
+    <p:extLst>
+      <p:ext uri="{BB962C8B-B14F-4D97-AF65-F5344CB8AC3E}">
+        <p14:creationId xmlns:p14="http://schemas.microsoft.com/office/powerpoint/2010/main" val="1144909082"/>
+      </p:ext>
+    </p:extLst>
+  </p:cSld>
+  <p:clrMapOvr>
+    <a:masterClrMapping/>
+  </p:clrMapOvr>
+  <p:transition/>
+  <p:timing>
+    <p:tnLst>
+      <p:par>
+        <p:cTn id="1" dur="indefinite" restart="never" nodeType="tmRoot"/>
+      </p:par>
+    </p:tnLst>
+  </p:timing>
+</p:sld>
+</file>
+
+<file path=ppt/slides/slide93.xml><?xml version="1.0" encoding="utf-8"?>
+<p:sld xmlns:a="http://schemas.openxmlformats.org/drawingml/2006/main" xmlns:r="http://schemas.openxmlformats.org/officeDocument/2006/relationships" xmlns:p="http://schemas.openxmlformats.org/presentationml/2006/main">
+  <p:cSld>
+    <p:spTree>
+      <p:nvGrpSpPr>
+        <p:cNvPr id="1" name=""/>
+        <p:cNvGrpSpPr/>
+        <p:nvPr/>
+      </p:nvGrpSpPr>
+      <p:grpSpPr>
+        <a:xfrm>
+          <a:off x="0" y="0"/>
+          <a:ext cx="0" cy="0"/>
+          <a:chOff x="0" y="0"/>
+          <a:chExt cx="0" cy="0"/>
+        </a:xfrm>
+      </p:grpSpPr>
+      <p:sp>
+        <p:nvSpPr>
           <p:cNvPr id="4" name="Rectangle 3"/>
           <p:cNvSpPr/>
           <p:nvPr/>
@@ -48832,354 +49699,6 @@
     <a:masterClrMapping/>
   </p:clrMapOvr>
   <p:transition/>
-</p:sld>
-</file>
-
-<file path=ppt/slides/slide9.xml><?xml version="1.0" encoding="utf-8"?>
-<p:sld xmlns:a="http://schemas.openxmlformats.org/drawingml/2006/main" xmlns:r="http://schemas.openxmlformats.org/officeDocument/2006/relationships" xmlns:p="http://schemas.openxmlformats.org/presentationml/2006/main">
-  <p:cSld>
-    <p:spTree>
-      <p:nvGrpSpPr>
-        <p:cNvPr id="1" name=""/>
-        <p:cNvGrpSpPr/>
-        <p:nvPr/>
-      </p:nvGrpSpPr>
-      <p:grpSpPr>
-        <a:xfrm>
-          <a:off x="0" y="0"/>
-          <a:ext cx="0" cy="0"/>
-          <a:chOff x="0" y="0"/>
-          <a:chExt cx="0" cy="0"/>
-        </a:xfrm>
-      </p:grpSpPr>
-      <p:sp>
-        <p:nvSpPr>
-          <p:cNvPr id="689154" name="Rectangle 2"/>
-          <p:cNvSpPr>
-            <a:spLocks noGrp="1" noChangeArrowheads="1"/>
-          </p:cNvSpPr>
-          <p:nvPr>
-            <p:ph type="title"/>
-          </p:nvPr>
-        </p:nvSpPr>
-        <p:spPr/>
-        <p:txBody>
-          <a:bodyPr/>
-          <a:lstStyle/>
-          <a:p>
-            <a:r>
-              <a:rPr lang="en-US" dirty="0"/>
-              <a:t>Classes and Their Members</a:t>
-            </a:r>
-            <a:endParaRPr lang="bg-BG" dirty="0"/>
-          </a:p>
-        </p:txBody>
-      </p:sp>
-      <p:sp>
-        <p:nvSpPr>
-          <p:cNvPr id="689155" name="Rectangle 3"/>
-          <p:cNvSpPr>
-            <a:spLocks noGrp="1" noChangeArrowheads="1"/>
-          </p:cNvSpPr>
-          <p:nvPr>
-            <p:ph type="body" idx="1"/>
-          </p:nvPr>
-        </p:nvSpPr>
-        <p:spPr>
-          <a:xfrm>
-            <a:off x="228600" y="990600"/>
-            <a:ext cx="8686800" cy="5638800"/>
-          </a:xfrm>
-        </p:spPr>
-        <p:txBody>
-          <a:bodyPr/>
-          <a:lstStyle/>
-          <a:p>
-            <a:pPr>
-              <a:lnSpc>
-                <a:spcPct val="100000"/>
-              </a:lnSpc>
-            </a:pPr>
-            <a:r>
-              <a:rPr lang="en-US" dirty="0"/>
-              <a:t>Classes </a:t>
-            </a:r>
-            <a:r>
-              <a:rPr lang="en-US" dirty="0" smtClean="0"/>
-              <a:t>have </a:t>
-            </a:r>
-            <a:r>
-              <a:rPr lang="en-US" dirty="0"/>
-              <a:t>members</a:t>
-            </a:r>
-          </a:p>
-          <a:p>
-            <a:pPr lvl="1">
-              <a:lnSpc>
-                <a:spcPct val="100000"/>
-              </a:lnSpc>
-            </a:pPr>
-            <a:r>
-              <a:rPr lang="en-US" dirty="0"/>
-              <a:t>Fields</a:t>
-            </a:r>
-            <a:r>
-              <a:rPr lang="bg-BG" dirty="0"/>
-              <a:t>, </a:t>
-            </a:r>
-            <a:r>
-              <a:rPr lang="en-US" dirty="0"/>
-              <a:t>constants</a:t>
-            </a:r>
-            <a:r>
-              <a:rPr lang="bg-BG" dirty="0"/>
-              <a:t>, </a:t>
-            </a:r>
-            <a:r>
-              <a:rPr lang="en-US" dirty="0"/>
-              <a:t>methods</a:t>
-            </a:r>
-            <a:r>
-              <a:rPr lang="bg-BG" dirty="0"/>
-              <a:t>, </a:t>
-            </a:r>
-            <a:r>
-              <a:rPr lang="en-US" dirty="0"/>
-              <a:t>properties</a:t>
-            </a:r>
-            <a:r>
-              <a:rPr lang="bg-BG" dirty="0" smtClean="0"/>
-              <a:t>,</a:t>
-            </a:r>
-            <a:r>
-              <a:rPr lang="en-US" dirty="0" smtClean="0"/>
-              <a:t> indexers</a:t>
-            </a:r>
-            <a:r>
-              <a:rPr lang="bg-BG" dirty="0"/>
-              <a:t>, </a:t>
-            </a:r>
-            <a:r>
-              <a:rPr lang="en-US" dirty="0"/>
-              <a:t>events</a:t>
-            </a:r>
-            <a:r>
-              <a:rPr lang="bg-BG" dirty="0"/>
-              <a:t>, </a:t>
-            </a:r>
-            <a:r>
-              <a:rPr lang="en-US" dirty="0"/>
-              <a:t>operators</a:t>
-            </a:r>
-            <a:r>
-              <a:rPr lang="bg-BG" dirty="0"/>
-              <a:t>, </a:t>
-            </a:r>
-            <a:r>
-              <a:rPr lang="en-US" dirty="0"/>
-              <a:t>constructors</a:t>
-            </a:r>
-            <a:r>
-              <a:rPr lang="bg-BG" dirty="0"/>
-              <a:t>, </a:t>
-            </a:r>
-            <a:r>
-              <a:rPr lang="en-US" dirty="0"/>
-              <a:t>destructors</a:t>
-            </a:r>
-            <a:endParaRPr lang="bg-BG" dirty="0"/>
-          </a:p>
-          <a:p>
-            <a:pPr lvl="1">
-              <a:lnSpc>
-                <a:spcPct val="100000"/>
-              </a:lnSpc>
-            </a:pPr>
-            <a:r>
-              <a:rPr lang="en-US" dirty="0"/>
-              <a:t>Inner types</a:t>
-            </a:r>
-            <a:r>
-              <a:rPr lang="bg-BG" dirty="0"/>
-              <a:t> (</a:t>
-            </a:r>
-            <a:r>
-              <a:rPr lang="en-US" dirty="0"/>
-              <a:t>inner classes</a:t>
-            </a:r>
-            <a:r>
-              <a:rPr lang="bg-BG" dirty="0"/>
-              <a:t>, </a:t>
-            </a:r>
-            <a:r>
-              <a:rPr lang="en-US" dirty="0"/>
-              <a:t>structures</a:t>
-            </a:r>
-            <a:r>
-              <a:rPr lang="bg-BG" dirty="0" smtClean="0"/>
-              <a:t>,</a:t>
-            </a:r>
-            <a:r>
-              <a:rPr lang="en-US" dirty="0" smtClean="0"/>
-              <a:t> interfaces</a:t>
-            </a:r>
-            <a:r>
-              <a:rPr lang="bg-BG" dirty="0"/>
-              <a:t>, </a:t>
-            </a:r>
-            <a:r>
-              <a:rPr lang="en-US" dirty="0"/>
-              <a:t>delegates</a:t>
-            </a:r>
-            <a:r>
-              <a:rPr lang="bg-BG" dirty="0"/>
-              <a:t>, ...)</a:t>
-            </a:r>
-          </a:p>
-          <a:p>
-            <a:pPr>
-              <a:lnSpc>
-                <a:spcPct val="100000"/>
-              </a:lnSpc>
-            </a:pPr>
-            <a:r>
-              <a:rPr lang="en-US" dirty="0"/>
-              <a:t>Members have modifiers (scope)</a:t>
-            </a:r>
-            <a:endParaRPr lang="bg-BG" dirty="0"/>
-          </a:p>
-          <a:p>
-            <a:pPr lvl="1">
-              <a:lnSpc>
-                <a:spcPct val="100000"/>
-              </a:lnSpc>
-            </a:pPr>
-            <a:r>
-              <a:rPr lang="en-US" dirty="0">
-                <a:solidFill>
-                  <a:schemeClr val="accent5">
-                    <a:lumMod val="20000"/>
-                    <a:lumOff val="80000"/>
-                  </a:schemeClr>
-                </a:solidFill>
-              </a:rPr>
-              <a:t>public</a:t>
-            </a:r>
-            <a:r>
-              <a:rPr lang="en-US" dirty="0"/>
-              <a:t>, </a:t>
-            </a:r>
-            <a:r>
-              <a:rPr lang="en-US" dirty="0">
-                <a:solidFill>
-                  <a:schemeClr val="accent5">
-                    <a:lumMod val="20000"/>
-                    <a:lumOff val="80000"/>
-                  </a:schemeClr>
-                </a:solidFill>
-              </a:rPr>
-              <a:t>private</a:t>
-            </a:r>
-            <a:r>
-              <a:rPr lang="en-US" dirty="0"/>
-              <a:t>, </a:t>
-            </a:r>
-            <a:r>
-              <a:rPr lang="en-US" dirty="0">
-                <a:solidFill>
-                  <a:schemeClr val="accent5">
-                    <a:lumMod val="20000"/>
-                    <a:lumOff val="80000"/>
-                  </a:schemeClr>
-                </a:solidFill>
-              </a:rPr>
-              <a:t>protected</a:t>
-            </a:r>
-            <a:r>
-              <a:rPr lang="en-US" dirty="0"/>
-              <a:t>, </a:t>
-            </a:r>
-            <a:r>
-              <a:rPr lang="en-US" dirty="0">
-                <a:solidFill>
-                  <a:schemeClr val="accent5">
-                    <a:lumMod val="20000"/>
-                    <a:lumOff val="80000"/>
-                  </a:schemeClr>
-                </a:solidFill>
-              </a:rPr>
-              <a:t>internal</a:t>
-            </a:r>
-            <a:endParaRPr lang="bg-BG" dirty="0">
-              <a:solidFill>
-                <a:schemeClr val="accent5">
-                  <a:lumMod val="20000"/>
-                  <a:lumOff val="80000"/>
-                </a:schemeClr>
-              </a:solidFill>
-            </a:endParaRPr>
-          </a:p>
-          <a:p>
-            <a:pPr>
-              <a:lnSpc>
-                <a:spcPct val="100000"/>
-              </a:lnSpc>
-            </a:pPr>
-            <a:r>
-              <a:rPr lang="en-US" dirty="0"/>
-              <a:t>Members can be</a:t>
-            </a:r>
-          </a:p>
-          <a:p>
-            <a:pPr lvl="1">
-              <a:lnSpc>
-                <a:spcPct val="100000"/>
-              </a:lnSpc>
-            </a:pPr>
-            <a:r>
-              <a:rPr lang="en-US" dirty="0">
-                <a:solidFill>
-                  <a:schemeClr val="accent5">
-                    <a:lumMod val="20000"/>
-                    <a:lumOff val="80000"/>
-                  </a:schemeClr>
-                </a:solidFill>
-              </a:rPr>
-              <a:t>static</a:t>
-            </a:r>
-            <a:r>
-              <a:rPr lang="bg-BG" dirty="0"/>
-              <a:t> (</a:t>
-            </a:r>
-            <a:r>
-              <a:rPr lang="en-US" dirty="0"/>
-              <a:t>common</a:t>
-            </a:r>
-            <a:r>
-              <a:rPr lang="bg-BG" dirty="0"/>
-              <a:t>) </a:t>
-            </a:r>
-            <a:r>
-              <a:rPr lang="en-US" dirty="0"/>
-              <a:t>or for a given type</a:t>
-            </a:r>
-            <a:endParaRPr lang="bg-BG" dirty="0"/>
-          </a:p>
-        </p:txBody>
-      </p:sp>
-    </p:spTree>
-  </p:cSld>
-  <p:clrMapOvr>
-    <a:masterClrMapping/>
-  </p:clrMapOvr>
-  <p:transition/>
-  <p:timing>
-    <p:tnLst>
-      <p:par>
-        <p:cTn id="1" dur="indefinite" restart="never" nodeType="tmRoot"/>
-      </p:par>
-    </p:tnLst>
-  </p:timing>
 </p:sld>
 </file>
 

--- a/Lectures/4. Object-Oriented Programming with CSharp/Object-Oriented Programming with CSharp.pptx
+++ b/Lectures/4. Object-Oriented Programming with CSharp/Object-Oriented Programming with CSharp.pptx
@@ -11506,8 +11506,8 @@
         </p:nvSpPr>
         <p:spPr>
           <a:xfrm>
-            <a:off x="457200" y="5224046"/>
-            <a:ext cx="3352800" cy="954107"/>
+            <a:off x="457200" y="5405735"/>
+            <a:ext cx="3352800" cy="461665"/>
           </a:xfrm>
         </p:spPr>
         <p:txBody>
@@ -11515,12 +11515,22 @@
           <a:lstStyle/>
           <a:p>
             <a:r>
-              <a:rPr lang="en-US" dirty="0"/>
-              <a:t>Svetlin Nakov</a:t>
-            </a:r>
-          </a:p>
-          <a:p>
-            <a:endParaRPr lang="en-US" dirty="0"/>
+              <a:rPr lang="en-US" sz="2400" dirty="0" smtClean="0">
+                <a:solidFill>
+                  <a:schemeClr val="tx1">
+                    <a:lumMod val="50000"/>
+                  </a:schemeClr>
+                </a:solidFill>
+              </a:rPr>
+              <a:t>Technical Trainer</a:t>
+            </a:r>
+            <a:endParaRPr lang="en-US" sz="2400" dirty="0">
+              <a:solidFill>
+                <a:schemeClr val="tx1">
+                  <a:lumMod val="50000"/>
+                </a:schemeClr>
+              </a:solidFill>
+            </a:endParaRPr>
           </a:p>
         </p:txBody>
       </p:sp>
@@ -11706,6 +11716,272 @@
             <a:r>
               <a:rPr lang="en-US" dirty="0" smtClean="0"/>
               <a:t>Object-Oriented Programming with C#</a:t>
+            </a:r>
+            <a:endParaRPr lang="en-US" dirty="0"/>
+          </a:p>
+        </p:txBody>
+      </p:sp>
+      <p:sp>
+        <p:nvSpPr>
+          <p:cNvPr id="10" name="Text Placeholder 3"/>
+          <p:cNvSpPr txBox="1">
+            <a:spLocks/>
+          </p:cNvSpPr>
+          <p:nvPr/>
+        </p:nvSpPr>
+        <p:spPr>
+          <a:xfrm>
+            <a:off x="457200" y="5039380"/>
+            <a:ext cx="3352800" cy="523220"/>
+          </a:xfrm>
+          <a:prstGeom prst="rect">
+            <a:avLst/>
+          </a:prstGeom>
+          <a:noFill/>
+        </p:spPr>
+        <p:txBody>
+          <a:bodyPr wrap="square" rtlCol="0">
+            <a:spAutoFit/>
+          </a:bodyPr>
+          <a:lstStyle>
+            <a:lvl1pPr marL="319088" indent="-319088" algn="l" rtl="0" eaLnBrk="0" fontAlgn="base" hangingPunct="0">
+              <a:spcBef>
+                <a:spcPct val="0"/>
+              </a:spcBef>
+              <a:spcAft>
+                <a:spcPct val="0"/>
+              </a:spcAft>
+              <a:buClr>
+                <a:schemeClr val="accent5">
+                  <a:lumMod val="40000"/>
+                  <a:lumOff val="60000"/>
+                </a:schemeClr>
+              </a:buClr>
+              <a:buSzPct val="70000"/>
+              <a:buFont typeface="Wingdings 2" pitchFamily="18" charset="2"/>
+              <a:buNone/>
+              <a:defRPr lang="en-US" sz="2800" b="1" kern="1200" dirty="0" smtClean="0">
+                <a:solidFill>
+                  <a:srgbClr val="DEFF9B"/>
+                </a:solidFill>
+                <a:effectLst>
+                  <a:outerShdw blurRad="38100" dist="38100" dir="2700000" algn="tl">
+                    <a:srgbClr val="000000">
+                      <a:alpha val="43137"/>
+                    </a:srgbClr>
+                  </a:outerShdw>
+                </a:effectLst>
+                <a:latin typeface="Corbel" pitchFamily="34" charset="0"/>
+                <a:ea typeface="+mn-ea"/>
+                <a:cs typeface="+mn-cs"/>
+              </a:defRPr>
+            </a:lvl1pPr>
+            <a:lvl2pPr marL="630238" indent="-273050" algn="l" rtl="0" eaLnBrk="0" fontAlgn="base" hangingPunct="0">
+              <a:spcBef>
+                <a:spcPct val="20000"/>
+              </a:spcBef>
+              <a:spcAft>
+                <a:spcPct val="0"/>
+              </a:spcAft>
+              <a:buClr>
+                <a:schemeClr val="accent2">
+                  <a:lumMod val="60000"/>
+                  <a:lumOff val="40000"/>
+                </a:schemeClr>
+              </a:buClr>
+              <a:buFont typeface="Wingdings 2" pitchFamily="18" charset="2"/>
+              <a:buChar char=""/>
+              <a:defRPr sz="3000" b="1" kern="1200">
+                <a:solidFill>
+                  <a:schemeClr val="tx1">
+                    <a:lumMod val="20000"/>
+                    <a:lumOff val="80000"/>
+                  </a:schemeClr>
+                </a:solidFill>
+                <a:effectLst>
+                  <a:outerShdw blurRad="38100" dist="38100" dir="2700000" algn="tl">
+                    <a:srgbClr val="000000">
+                      <a:alpha val="43137"/>
+                    </a:srgbClr>
+                  </a:outerShdw>
+                </a:effectLst>
+                <a:latin typeface="+mn-lt"/>
+                <a:ea typeface="+mn-ea"/>
+                <a:cs typeface="+mn-cs"/>
+              </a:defRPr>
+            </a:lvl2pPr>
+            <a:lvl3pPr marL="922338" indent="-273050" algn="l" rtl="0" eaLnBrk="0" fontAlgn="base" hangingPunct="0">
+              <a:spcBef>
+                <a:spcPct val="20000"/>
+              </a:spcBef>
+              <a:spcAft>
+                <a:spcPct val="0"/>
+              </a:spcAft>
+              <a:buClr>
+                <a:schemeClr val="tx1">
+                  <a:lumMod val="50000"/>
+                </a:schemeClr>
+              </a:buClr>
+              <a:buFont typeface="Wingdings 2" pitchFamily="18" charset="2"/>
+              <a:buChar char=""/>
+              <a:defRPr sz="2800" b="1" kern="1200">
+                <a:solidFill>
+                  <a:schemeClr val="tx1">
+                    <a:lumMod val="20000"/>
+                    <a:lumOff val="80000"/>
+                  </a:schemeClr>
+                </a:solidFill>
+                <a:effectLst>
+                  <a:outerShdw blurRad="38100" dist="38100" dir="2700000" algn="tl">
+                    <a:srgbClr val="000000">
+                      <a:alpha val="43137"/>
+                    </a:srgbClr>
+                  </a:outerShdw>
+                </a:effectLst>
+                <a:latin typeface="+mn-lt"/>
+                <a:ea typeface="+mn-ea"/>
+                <a:cs typeface="+mn-cs"/>
+              </a:defRPr>
+            </a:lvl3pPr>
+            <a:lvl4pPr marL="1187450" indent="-228600" algn="l" rtl="0" eaLnBrk="0" fontAlgn="base" hangingPunct="0">
+              <a:spcBef>
+                <a:spcPct val="20000"/>
+              </a:spcBef>
+              <a:spcAft>
+                <a:spcPct val="0"/>
+              </a:spcAft>
+              <a:buClr>
+                <a:srgbClr val="F8BD52"/>
+              </a:buClr>
+              <a:buFont typeface="Wingdings 2" pitchFamily="18" charset="2"/>
+              <a:buChar char=""/>
+              <a:defRPr sz="2600" b="1" kern="1200">
+                <a:solidFill>
+                  <a:schemeClr val="tx1">
+                    <a:lumMod val="20000"/>
+                    <a:lumOff val="80000"/>
+                  </a:schemeClr>
+                </a:solidFill>
+                <a:effectLst>
+                  <a:outerShdw blurRad="38100" dist="38100" dir="2700000" algn="tl">
+                    <a:srgbClr val="000000">
+                      <a:alpha val="43137"/>
+                    </a:srgbClr>
+                  </a:outerShdw>
+                </a:effectLst>
+                <a:latin typeface="+mn-lt"/>
+                <a:ea typeface="+mn-ea"/>
+                <a:cs typeface="+mn-cs"/>
+              </a:defRPr>
+            </a:lvl4pPr>
+            <a:lvl5pPr marL="1425575" indent="-228600" algn="l" rtl="0" eaLnBrk="0" fontAlgn="base" hangingPunct="0">
+              <a:spcBef>
+                <a:spcPct val="20000"/>
+              </a:spcBef>
+              <a:spcAft>
+                <a:spcPct val="0"/>
+              </a:spcAft>
+              <a:buClr>
+                <a:srgbClr val="46A6BD"/>
+              </a:buClr>
+              <a:buFont typeface="Wingdings 2" pitchFamily="18" charset="2"/>
+              <a:buChar char=""/>
+              <a:defRPr sz="2400" b="1" kern="1200">
+                <a:solidFill>
+                  <a:schemeClr val="tx1">
+                    <a:lumMod val="20000"/>
+                    <a:lumOff val="80000"/>
+                  </a:schemeClr>
+                </a:solidFill>
+                <a:effectLst>
+                  <a:outerShdw blurRad="38100" dist="38100" dir="2700000" algn="tl">
+                    <a:srgbClr val="000000">
+                      <a:alpha val="43137"/>
+                    </a:srgbClr>
+                  </a:outerShdw>
+                </a:effectLst>
+                <a:latin typeface="+mn-lt"/>
+                <a:ea typeface="+mn-ea"/>
+                <a:cs typeface="+mn-cs"/>
+              </a:defRPr>
+            </a:lvl5pPr>
+            <a:lvl6pPr marL="1673352" indent="-228600" algn="l" rtl="0" eaLnBrk="1" latinLnBrk="0" hangingPunct="1">
+              <a:spcBef>
+                <a:spcPct val="20000"/>
+              </a:spcBef>
+              <a:buClr>
+                <a:schemeClr val="accent6"/>
+              </a:buClr>
+              <a:buFont typeface="Wingdings 2"/>
+              <a:buChar char=""/>
+              <a:defRPr sz="1800" kern="1200">
+                <a:solidFill>
+                  <a:schemeClr val="tx1"/>
+                </a:solidFill>
+                <a:latin typeface="+mn-lt"/>
+                <a:ea typeface="+mn-ea"/>
+                <a:cs typeface="+mn-cs"/>
+              </a:defRPr>
+            </a:lvl6pPr>
+            <a:lvl7pPr marL="1911096" indent="-228600" algn="l" rtl="0" eaLnBrk="1" latinLnBrk="0" hangingPunct="1">
+              <a:spcBef>
+                <a:spcPct val="20000"/>
+              </a:spcBef>
+              <a:buClr>
+                <a:schemeClr val="tx2"/>
+              </a:buClr>
+              <a:buFont typeface="Wingdings 2"/>
+              <a:buChar char=""/>
+              <a:defRPr sz="1600" kern="1200">
+                <a:solidFill>
+                  <a:schemeClr val="tx1"/>
+                </a:solidFill>
+                <a:latin typeface="+mn-lt"/>
+                <a:ea typeface="+mn-ea"/>
+                <a:cs typeface="+mn-cs"/>
+              </a:defRPr>
+            </a:lvl7pPr>
+            <a:lvl8pPr marL="2121408" indent="-182880" algn="l" rtl="0" eaLnBrk="1" latinLnBrk="0" hangingPunct="1">
+              <a:spcBef>
+                <a:spcPct val="20000"/>
+              </a:spcBef>
+              <a:buClr>
+                <a:schemeClr val="tx2"/>
+              </a:buClr>
+              <a:buFont typeface="Wingdings 2"/>
+              <a:buChar char=""/>
+              <a:defRPr sz="1400" kern="1200">
+                <a:solidFill>
+                  <a:schemeClr val="tx1"/>
+                </a:solidFill>
+                <a:latin typeface="+mn-lt"/>
+                <a:ea typeface="+mn-ea"/>
+                <a:cs typeface="+mn-cs"/>
+              </a:defRPr>
+            </a:lvl8pPr>
+            <a:lvl9pPr marL="2322576" indent="-182880" algn="l" rtl="0" eaLnBrk="1" latinLnBrk="0" hangingPunct="1">
+              <a:spcBef>
+                <a:spcPct val="20000"/>
+              </a:spcBef>
+              <a:buClr>
+                <a:schemeClr val="tx2"/>
+              </a:buClr>
+              <a:buFont typeface="Wingdings 2"/>
+              <a:buChar char=""/>
+              <a:defRPr sz="1400" kern="1200">
+                <a:solidFill>
+                  <a:schemeClr val="tx1"/>
+                </a:solidFill>
+                <a:latin typeface="+mn-lt"/>
+                <a:ea typeface="+mn-ea"/>
+                <a:cs typeface="+mn-cs"/>
+              </a:defRPr>
+            </a:lvl9pPr>
+          </a:lstStyle>
+          <a:p>
+            <a:r>
+              <a:rPr lang="en-US" dirty="0" smtClean="0"/>
+              <a:t>Doncho Minkov</a:t>
             </a:r>
             <a:endParaRPr lang="en-US" dirty="0"/>
           </a:p>
